--- a/plot/structure_plot/DeepGWAS_structure.pptx
+++ b/plot/structure_plot/DeepGWAS_structure.pptx
@@ -6,6 +6,7 @@
   </p:sldMasterIdLst>
   <p:sldIdLst>
     <p:sldId id="269" r:id="rId2"/>
+    <p:sldId id="270" r:id="rId3"/>
   </p:sldIdLst>
   <p:sldSz cx="12192000" cy="6858000"/>
   <p:notesSz cx="6858000" cy="9144000"/>
@@ -259,7 +260,7 @@
           <a:p>
             <a:fld id="{6F61BA5A-4C87-814A-931F-600C978CE7B1}" type="datetimeFigureOut">
               <a:rPr lang="en-US" smtClean="0"/>
-              <a:t>4/18/22</a:t>
+              <a:t>9/14/22</a:t>
             </a:fld>
             <a:endParaRPr lang="en-US"/>
           </a:p>
@@ -457,7 +458,7 @@
           <a:p>
             <a:fld id="{6F61BA5A-4C87-814A-931F-600C978CE7B1}" type="datetimeFigureOut">
               <a:rPr lang="en-US" smtClean="0"/>
-              <a:t>4/18/22</a:t>
+              <a:t>9/14/22</a:t>
             </a:fld>
             <a:endParaRPr lang="en-US"/>
           </a:p>
@@ -665,7 +666,7 @@
           <a:p>
             <a:fld id="{6F61BA5A-4C87-814A-931F-600C978CE7B1}" type="datetimeFigureOut">
               <a:rPr lang="en-US" smtClean="0"/>
-              <a:t>4/18/22</a:t>
+              <a:t>9/14/22</a:t>
             </a:fld>
             <a:endParaRPr lang="en-US"/>
           </a:p>
@@ -863,7 +864,7 @@
           <a:p>
             <a:fld id="{6F61BA5A-4C87-814A-931F-600C978CE7B1}" type="datetimeFigureOut">
               <a:rPr lang="en-US" smtClean="0"/>
-              <a:t>4/18/22</a:t>
+              <a:t>9/14/22</a:t>
             </a:fld>
             <a:endParaRPr lang="en-US"/>
           </a:p>
@@ -1138,7 +1139,7 @@
           <a:p>
             <a:fld id="{6F61BA5A-4C87-814A-931F-600C978CE7B1}" type="datetimeFigureOut">
               <a:rPr lang="en-US" smtClean="0"/>
-              <a:t>4/18/22</a:t>
+              <a:t>9/14/22</a:t>
             </a:fld>
             <a:endParaRPr lang="en-US"/>
           </a:p>
@@ -1403,7 +1404,7 @@
           <a:p>
             <a:fld id="{6F61BA5A-4C87-814A-931F-600C978CE7B1}" type="datetimeFigureOut">
               <a:rPr lang="en-US" smtClean="0"/>
-              <a:t>4/18/22</a:t>
+              <a:t>9/14/22</a:t>
             </a:fld>
             <a:endParaRPr lang="en-US"/>
           </a:p>
@@ -1815,7 +1816,7 @@
           <a:p>
             <a:fld id="{6F61BA5A-4C87-814A-931F-600C978CE7B1}" type="datetimeFigureOut">
               <a:rPr lang="en-US" smtClean="0"/>
-              <a:t>4/18/22</a:t>
+              <a:t>9/14/22</a:t>
             </a:fld>
             <a:endParaRPr lang="en-US"/>
           </a:p>
@@ -1956,7 +1957,7 @@
           <a:p>
             <a:fld id="{6F61BA5A-4C87-814A-931F-600C978CE7B1}" type="datetimeFigureOut">
               <a:rPr lang="en-US" smtClean="0"/>
-              <a:t>4/18/22</a:t>
+              <a:t>9/14/22</a:t>
             </a:fld>
             <a:endParaRPr lang="en-US"/>
           </a:p>
@@ -2069,7 +2070,7 @@
           <a:p>
             <a:fld id="{6F61BA5A-4C87-814A-931F-600C978CE7B1}" type="datetimeFigureOut">
               <a:rPr lang="en-US" smtClean="0"/>
-              <a:t>4/18/22</a:t>
+              <a:t>9/14/22</a:t>
             </a:fld>
             <a:endParaRPr lang="en-US"/>
           </a:p>
@@ -2380,7 +2381,7 @@
           <a:p>
             <a:fld id="{6F61BA5A-4C87-814A-931F-600C978CE7B1}" type="datetimeFigureOut">
               <a:rPr lang="en-US" smtClean="0"/>
-              <a:t>4/18/22</a:t>
+              <a:t>9/14/22</a:t>
             </a:fld>
             <a:endParaRPr lang="en-US"/>
           </a:p>
@@ -2668,7 +2669,7 @@
           <a:p>
             <a:fld id="{6F61BA5A-4C87-814A-931F-600C978CE7B1}" type="datetimeFigureOut">
               <a:rPr lang="en-US" smtClean="0"/>
-              <a:t>4/18/22</a:t>
+              <a:t>9/14/22</a:t>
             </a:fld>
             <a:endParaRPr lang="en-US"/>
           </a:p>
@@ -2909,7 +2910,7 @@
           <a:p>
             <a:fld id="{6F61BA5A-4C87-814A-931F-600C978CE7B1}" type="datetimeFigureOut">
               <a:rPr lang="en-US" smtClean="0"/>
-              <a:t>4/18/22</a:t>
+              <a:t>9/14/22</a:t>
             </a:fld>
             <a:endParaRPr lang="en-US"/>
           </a:p>
@@ -7159,6 +7160,3917 @@
 </p:sld>
 </file>
 
+<file path=ppt/slides/slide2.xml><?xml version="1.0" encoding="utf-8"?>
+<p:sld xmlns:a="http://schemas.openxmlformats.org/drawingml/2006/main" xmlns:r="http://schemas.openxmlformats.org/officeDocument/2006/relationships" xmlns:p="http://schemas.openxmlformats.org/presentationml/2006/main">
+  <p:cSld>
+    <p:spTree>
+      <p:nvGrpSpPr>
+        <p:cNvPr id="1" name=""/>
+        <p:cNvGrpSpPr/>
+        <p:nvPr/>
+      </p:nvGrpSpPr>
+      <p:grpSpPr>
+        <a:xfrm>
+          <a:off x="0" y="0"/>
+          <a:ext cx="0" cy="0"/>
+          <a:chOff x="0" y="0"/>
+          <a:chExt cx="0" cy="0"/>
+        </a:xfrm>
+      </p:grpSpPr>
+      <p:sp>
+        <p:nvSpPr>
+          <p:cNvPr id="2" name="Title 1">
+            <a:extLst>
+              <a:ext uri="{FF2B5EF4-FFF2-40B4-BE49-F238E27FC236}">
+                <a16:creationId xmlns:a16="http://schemas.microsoft.com/office/drawing/2014/main" id="{17282036-9ACC-43CA-AD49-8731D33DE792}"/>
+              </a:ext>
+            </a:extLst>
+          </p:cNvPr>
+          <p:cNvSpPr>
+            <a:spLocks noGrp="1"/>
+          </p:cNvSpPr>
+          <p:nvPr>
+            <p:ph type="title"/>
+          </p:nvPr>
+        </p:nvSpPr>
+        <p:spPr>
+          <a:xfrm>
+            <a:off x="811212" y="38346"/>
+            <a:ext cx="10515600" cy="1325563"/>
+          </a:xfrm>
+        </p:spPr>
+        <p:txBody>
+          <a:bodyPr/>
+          <a:lstStyle/>
+          <a:p>
+            <a:r>
+              <a:rPr lang="en-US" altLang="zh-CN" b="1" dirty="0">
+                <a:latin typeface="Times New Roman" panose="02020603050405020304" pitchFamily="18" charset="0"/>
+                <a:cs typeface="Times New Roman" panose="02020603050405020304" pitchFamily="18" charset="0"/>
+              </a:rPr>
+              <a:t>DeepGWAS</a:t>
+            </a:r>
+            <a:endParaRPr lang="en-US" b="1" dirty="0">
+              <a:latin typeface="Times New Roman" panose="02020603050405020304" pitchFamily="18" charset="0"/>
+              <a:cs typeface="Times New Roman" panose="02020603050405020304" pitchFamily="18" charset="0"/>
+            </a:endParaRPr>
+          </a:p>
+        </p:txBody>
+      </p:sp>
+      <p:sp>
+        <p:nvSpPr>
+          <p:cNvPr id="4" name="Oval 3">
+            <a:extLst>
+              <a:ext uri="{FF2B5EF4-FFF2-40B4-BE49-F238E27FC236}">
+                <a16:creationId xmlns:a16="http://schemas.microsoft.com/office/drawing/2014/main" id="{3206763D-1128-46B4-8718-D3D0B8A4289A}"/>
+              </a:ext>
+            </a:extLst>
+          </p:cNvPr>
+          <p:cNvSpPr/>
+          <p:nvPr/>
+        </p:nvSpPr>
+        <p:spPr>
+          <a:xfrm>
+            <a:off x="2676150" y="2833272"/>
+            <a:ext cx="712381" cy="606057"/>
+          </a:xfrm>
+          <a:prstGeom prst="ellipse">
+            <a:avLst/>
+          </a:prstGeom>
+        </p:spPr>
+        <p:style>
+          <a:lnRef idx="2">
+            <a:schemeClr val="accent1">
+              <a:shade val="50000"/>
+            </a:schemeClr>
+          </a:lnRef>
+          <a:fillRef idx="1">
+            <a:schemeClr val="accent1"/>
+          </a:fillRef>
+          <a:effectRef idx="0">
+            <a:schemeClr val="accent1"/>
+          </a:effectRef>
+          <a:fontRef idx="minor">
+            <a:schemeClr val="lt1"/>
+          </a:fontRef>
+        </p:style>
+        <p:txBody>
+          <a:bodyPr rtlCol="0" anchor="ctr"/>
+          <a:lstStyle/>
+          <a:p>
+            <a:pPr algn="ctr"/>
+            <a:endParaRPr lang="en-US" dirty="0">
+              <a:solidFill>
+                <a:schemeClr val="accent1">
+                  <a:lumMod val="60000"/>
+                  <a:lumOff val="40000"/>
+                </a:schemeClr>
+              </a:solidFill>
+            </a:endParaRPr>
+          </a:p>
+        </p:txBody>
+      </p:sp>
+      <p:sp>
+        <p:nvSpPr>
+          <p:cNvPr id="6" name="Oval 5">
+            <a:extLst>
+              <a:ext uri="{FF2B5EF4-FFF2-40B4-BE49-F238E27FC236}">
+                <a16:creationId xmlns:a16="http://schemas.microsoft.com/office/drawing/2014/main" id="{1CBABB00-9632-407A-B8C0-1EBE40AD1022}"/>
+              </a:ext>
+            </a:extLst>
+          </p:cNvPr>
+          <p:cNvSpPr/>
+          <p:nvPr/>
+        </p:nvSpPr>
+        <p:spPr>
+          <a:xfrm>
+            <a:off x="4475107" y="1506893"/>
+            <a:ext cx="712381" cy="606057"/>
+          </a:xfrm>
+          <a:prstGeom prst="ellipse">
+            <a:avLst/>
+          </a:prstGeom>
+          <a:solidFill>
+            <a:srgbClr val="00B050"/>
+          </a:solidFill>
+        </p:spPr>
+        <p:style>
+          <a:lnRef idx="2">
+            <a:schemeClr val="accent1">
+              <a:shade val="50000"/>
+            </a:schemeClr>
+          </a:lnRef>
+          <a:fillRef idx="1">
+            <a:schemeClr val="accent1"/>
+          </a:fillRef>
+          <a:effectRef idx="0">
+            <a:schemeClr val="accent1"/>
+          </a:effectRef>
+          <a:fontRef idx="minor">
+            <a:schemeClr val="lt1"/>
+          </a:fontRef>
+        </p:style>
+        <p:txBody>
+          <a:bodyPr rtlCol="0" anchor="ctr"/>
+          <a:lstStyle/>
+          <a:p>
+            <a:pPr algn="ctr"/>
+            <a:endParaRPr lang="en-US"/>
+          </a:p>
+        </p:txBody>
+      </p:sp>
+      <p:sp>
+        <p:nvSpPr>
+          <p:cNvPr id="7" name="Oval 6">
+            <a:extLst>
+              <a:ext uri="{FF2B5EF4-FFF2-40B4-BE49-F238E27FC236}">
+                <a16:creationId xmlns:a16="http://schemas.microsoft.com/office/drawing/2014/main" id="{ECF5726E-3AA8-43AC-AF55-1C75EED17C04}"/>
+              </a:ext>
+            </a:extLst>
+          </p:cNvPr>
+          <p:cNvSpPr/>
+          <p:nvPr/>
+        </p:nvSpPr>
+        <p:spPr>
+          <a:xfrm>
+            <a:off x="4475107" y="2431826"/>
+            <a:ext cx="712381" cy="606057"/>
+          </a:xfrm>
+          <a:prstGeom prst="ellipse">
+            <a:avLst/>
+          </a:prstGeom>
+          <a:solidFill>
+            <a:srgbClr val="00B050"/>
+          </a:solidFill>
+        </p:spPr>
+        <p:style>
+          <a:lnRef idx="2">
+            <a:schemeClr val="accent1">
+              <a:shade val="50000"/>
+            </a:schemeClr>
+          </a:lnRef>
+          <a:fillRef idx="1">
+            <a:schemeClr val="accent1"/>
+          </a:fillRef>
+          <a:effectRef idx="0">
+            <a:schemeClr val="accent1"/>
+          </a:effectRef>
+          <a:fontRef idx="minor">
+            <a:schemeClr val="lt1"/>
+          </a:fontRef>
+        </p:style>
+        <p:txBody>
+          <a:bodyPr rtlCol="0" anchor="ctr"/>
+          <a:lstStyle/>
+          <a:p>
+            <a:pPr algn="ctr"/>
+            <a:endParaRPr lang="en-US"/>
+          </a:p>
+        </p:txBody>
+      </p:sp>
+      <p:sp>
+        <p:nvSpPr>
+          <p:cNvPr id="8" name="Oval 7">
+            <a:extLst>
+              <a:ext uri="{FF2B5EF4-FFF2-40B4-BE49-F238E27FC236}">
+                <a16:creationId xmlns:a16="http://schemas.microsoft.com/office/drawing/2014/main" id="{97C729AA-0086-4A77-B9F7-44F640D3B19C}"/>
+              </a:ext>
+            </a:extLst>
+          </p:cNvPr>
+          <p:cNvSpPr/>
+          <p:nvPr/>
+        </p:nvSpPr>
+        <p:spPr>
+          <a:xfrm>
+            <a:off x="4453842" y="3356758"/>
+            <a:ext cx="712381" cy="606057"/>
+          </a:xfrm>
+          <a:prstGeom prst="ellipse">
+            <a:avLst/>
+          </a:prstGeom>
+          <a:solidFill>
+            <a:srgbClr val="00B050"/>
+          </a:solidFill>
+        </p:spPr>
+        <p:style>
+          <a:lnRef idx="2">
+            <a:schemeClr val="accent1">
+              <a:shade val="50000"/>
+            </a:schemeClr>
+          </a:lnRef>
+          <a:fillRef idx="1">
+            <a:schemeClr val="accent1"/>
+          </a:fillRef>
+          <a:effectRef idx="0">
+            <a:schemeClr val="accent1"/>
+          </a:effectRef>
+          <a:fontRef idx="minor">
+            <a:schemeClr val="lt1"/>
+          </a:fontRef>
+        </p:style>
+        <p:txBody>
+          <a:bodyPr rtlCol="0" anchor="ctr"/>
+          <a:lstStyle/>
+          <a:p>
+            <a:pPr algn="ctr"/>
+            <a:endParaRPr lang="en-US"/>
+          </a:p>
+        </p:txBody>
+      </p:sp>
+      <p:sp>
+        <p:nvSpPr>
+          <p:cNvPr id="9" name="Oval 8">
+            <a:extLst>
+              <a:ext uri="{FF2B5EF4-FFF2-40B4-BE49-F238E27FC236}">
+                <a16:creationId xmlns:a16="http://schemas.microsoft.com/office/drawing/2014/main" id="{5694D260-A3DC-4115-8309-6B2017E6523C}"/>
+              </a:ext>
+            </a:extLst>
+          </p:cNvPr>
+          <p:cNvSpPr/>
+          <p:nvPr/>
+        </p:nvSpPr>
+        <p:spPr>
+          <a:xfrm>
+            <a:off x="4453842" y="4281691"/>
+            <a:ext cx="712381" cy="606057"/>
+          </a:xfrm>
+          <a:prstGeom prst="ellipse">
+            <a:avLst/>
+          </a:prstGeom>
+          <a:solidFill>
+            <a:srgbClr val="00B050"/>
+          </a:solidFill>
+        </p:spPr>
+        <p:style>
+          <a:lnRef idx="2">
+            <a:schemeClr val="accent1">
+              <a:shade val="50000"/>
+            </a:schemeClr>
+          </a:lnRef>
+          <a:fillRef idx="1">
+            <a:schemeClr val="accent1"/>
+          </a:fillRef>
+          <a:effectRef idx="0">
+            <a:schemeClr val="accent1"/>
+          </a:effectRef>
+          <a:fontRef idx="minor">
+            <a:schemeClr val="lt1"/>
+          </a:fontRef>
+        </p:style>
+        <p:txBody>
+          <a:bodyPr rtlCol="0" anchor="ctr"/>
+          <a:lstStyle/>
+          <a:p>
+            <a:pPr algn="ctr"/>
+            <a:endParaRPr lang="en-US"/>
+          </a:p>
+        </p:txBody>
+      </p:sp>
+      <p:sp>
+        <p:nvSpPr>
+          <p:cNvPr id="24" name="Oval 23">
+            <a:extLst>
+              <a:ext uri="{FF2B5EF4-FFF2-40B4-BE49-F238E27FC236}">
+                <a16:creationId xmlns:a16="http://schemas.microsoft.com/office/drawing/2014/main" id="{CB22AD34-1074-4D3E-8C38-0D416B4AE804}"/>
+              </a:ext>
+            </a:extLst>
+          </p:cNvPr>
+          <p:cNvSpPr/>
+          <p:nvPr/>
+        </p:nvSpPr>
+        <p:spPr>
+          <a:xfrm>
+            <a:off x="7005646" y="2359094"/>
+            <a:ext cx="712381" cy="606057"/>
+          </a:xfrm>
+          <a:prstGeom prst="ellipse">
+            <a:avLst/>
+          </a:prstGeom>
+          <a:solidFill>
+            <a:srgbClr val="00B050"/>
+          </a:solidFill>
+        </p:spPr>
+        <p:style>
+          <a:lnRef idx="2">
+            <a:schemeClr val="accent1">
+              <a:shade val="50000"/>
+            </a:schemeClr>
+          </a:lnRef>
+          <a:fillRef idx="1">
+            <a:schemeClr val="accent1"/>
+          </a:fillRef>
+          <a:effectRef idx="0">
+            <a:schemeClr val="accent1"/>
+          </a:effectRef>
+          <a:fontRef idx="minor">
+            <a:schemeClr val="lt1"/>
+          </a:fontRef>
+        </p:style>
+        <p:txBody>
+          <a:bodyPr rtlCol="0" anchor="ctr"/>
+          <a:lstStyle/>
+          <a:p>
+            <a:pPr algn="ctr"/>
+            <a:endParaRPr lang="en-US"/>
+          </a:p>
+        </p:txBody>
+      </p:sp>
+      <p:sp>
+        <p:nvSpPr>
+          <p:cNvPr id="25" name="Oval 24">
+            <a:extLst>
+              <a:ext uri="{FF2B5EF4-FFF2-40B4-BE49-F238E27FC236}">
+                <a16:creationId xmlns:a16="http://schemas.microsoft.com/office/drawing/2014/main" id="{24DDECB4-10EA-4172-B4CF-1D2E6B25AFCC}"/>
+              </a:ext>
+            </a:extLst>
+          </p:cNvPr>
+          <p:cNvSpPr/>
+          <p:nvPr/>
+        </p:nvSpPr>
+        <p:spPr>
+          <a:xfrm>
+            <a:off x="7005646" y="3423977"/>
+            <a:ext cx="712381" cy="606057"/>
+          </a:xfrm>
+          <a:prstGeom prst="ellipse">
+            <a:avLst/>
+          </a:prstGeom>
+          <a:solidFill>
+            <a:srgbClr val="00B050"/>
+          </a:solidFill>
+        </p:spPr>
+        <p:style>
+          <a:lnRef idx="2">
+            <a:schemeClr val="accent1">
+              <a:shade val="50000"/>
+            </a:schemeClr>
+          </a:lnRef>
+          <a:fillRef idx="1">
+            <a:schemeClr val="accent1"/>
+          </a:fillRef>
+          <a:effectRef idx="0">
+            <a:schemeClr val="accent1"/>
+          </a:effectRef>
+          <a:fontRef idx="minor">
+            <a:schemeClr val="lt1"/>
+          </a:fontRef>
+        </p:style>
+        <p:txBody>
+          <a:bodyPr rtlCol="0" anchor="ctr"/>
+          <a:lstStyle/>
+          <a:p>
+            <a:pPr algn="ctr"/>
+            <a:endParaRPr lang="en-US"/>
+          </a:p>
+        </p:txBody>
+      </p:sp>
+      <p:sp>
+        <p:nvSpPr>
+          <p:cNvPr id="26" name="Oval 25">
+            <a:extLst>
+              <a:ext uri="{FF2B5EF4-FFF2-40B4-BE49-F238E27FC236}">
+                <a16:creationId xmlns:a16="http://schemas.microsoft.com/office/drawing/2014/main" id="{F2107769-BF56-4F39-9E65-EC0587DB3D04}"/>
+              </a:ext>
+            </a:extLst>
+          </p:cNvPr>
+          <p:cNvSpPr/>
+          <p:nvPr/>
+        </p:nvSpPr>
+        <p:spPr>
+          <a:xfrm>
+            <a:off x="8445364" y="2842887"/>
+            <a:ext cx="712381" cy="606057"/>
+          </a:xfrm>
+          <a:prstGeom prst="ellipse">
+            <a:avLst/>
+          </a:prstGeom>
+          <a:solidFill>
+            <a:srgbClr val="FFFF00"/>
+          </a:solidFill>
+        </p:spPr>
+        <p:style>
+          <a:lnRef idx="2">
+            <a:schemeClr val="accent1">
+              <a:shade val="50000"/>
+            </a:schemeClr>
+          </a:lnRef>
+          <a:fillRef idx="1">
+            <a:schemeClr val="accent1"/>
+          </a:fillRef>
+          <a:effectRef idx="0">
+            <a:schemeClr val="accent1"/>
+          </a:effectRef>
+          <a:fontRef idx="minor">
+            <a:schemeClr val="lt1"/>
+          </a:fontRef>
+        </p:style>
+        <p:txBody>
+          <a:bodyPr rtlCol="0" anchor="ctr"/>
+          <a:lstStyle/>
+          <a:p>
+            <a:pPr algn="ctr"/>
+            <a:endParaRPr lang="en-US"/>
+          </a:p>
+        </p:txBody>
+      </p:sp>
+      <p:cxnSp>
+        <p:nvCxnSpPr>
+          <p:cNvPr id="32" name="Straight Connector 31">
+            <a:extLst>
+              <a:ext uri="{FF2B5EF4-FFF2-40B4-BE49-F238E27FC236}">
+                <a16:creationId xmlns:a16="http://schemas.microsoft.com/office/drawing/2014/main" id="{60429FC2-4741-4011-B895-BB6090C8BB59}"/>
+              </a:ext>
+            </a:extLst>
+          </p:cNvPr>
+          <p:cNvCxnSpPr>
+            <a:stCxn id="4" idx="6"/>
+            <a:endCxn id="6" idx="2"/>
+          </p:cNvCxnSpPr>
+          <p:nvPr/>
+        </p:nvCxnSpPr>
+        <p:spPr>
+          <a:xfrm flipV="1">
+            <a:off x="3388531" y="1809922"/>
+            <a:ext cx="1086576" cy="1326379"/>
+          </a:xfrm>
+          <a:prstGeom prst="line">
+            <a:avLst/>
+          </a:prstGeom>
+          <a:ln w="28575">
+            <a:solidFill>
+              <a:schemeClr val="tx1"/>
+            </a:solidFill>
+          </a:ln>
+        </p:spPr>
+        <p:style>
+          <a:lnRef idx="1">
+            <a:schemeClr val="accent1"/>
+          </a:lnRef>
+          <a:fillRef idx="0">
+            <a:schemeClr val="accent1"/>
+          </a:fillRef>
+          <a:effectRef idx="0">
+            <a:schemeClr val="accent1"/>
+          </a:effectRef>
+          <a:fontRef idx="minor">
+            <a:schemeClr val="tx1"/>
+          </a:fontRef>
+        </p:style>
+      </p:cxnSp>
+      <p:cxnSp>
+        <p:nvCxnSpPr>
+          <p:cNvPr id="34" name="Straight Connector 33">
+            <a:extLst>
+              <a:ext uri="{FF2B5EF4-FFF2-40B4-BE49-F238E27FC236}">
+                <a16:creationId xmlns:a16="http://schemas.microsoft.com/office/drawing/2014/main" id="{0C6F1215-D1E7-474C-A2B0-9EF47EE7D4B4}"/>
+              </a:ext>
+            </a:extLst>
+          </p:cNvPr>
+          <p:cNvCxnSpPr>
+            <a:stCxn id="4" idx="6"/>
+            <a:endCxn id="7" idx="2"/>
+          </p:cNvCxnSpPr>
+          <p:nvPr/>
+        </p:nvCxnSpPr>
+        <p:spPr>
+          <a:xfrm flipV="1">
+            <a:off x="3388531" y="2734855"/>
+            <a:ext cx="1086576" cy="401446"/>
+          </a:xfrm>
+          <a:prstGeom prst="line">
+            <a:avLst/>
+          </a:prstGeom>
+          <a:ln w="28575">
+            <a:solidFill>
+              <a:schemeClr val="tx1"/>
+            </a:solidFill>
+          </a:ln>
+        </p:spPr>
+        <p:style>
+          <a:lnRef idx="1">
+            <a:schemeClr val="accent1"/>
+          </a:lnRef>
+          <a:fillRef idx="0">
+            <a:schemeClr val="accent1"/>
+          </a:fillRef>
+          <a:effectRef idx="0">
+            <a:schemeClr val="accent1"/>
+          </a:effectRef>
+          <a:fontRef idx="minor">
+            <a:schemeClr val="tx1"/>
+          </a:fontRef>
+        </p:style>
+      </p:cxnSp>
+      <p:cxnSp>
+        <p:nvCxnSpPr>
+          <p:cNvPr id="42" name="Straight Connector 41">
+            <a:extLst>
+              <a:ext uri="{FF2B5EF4-FFF2-40B4-BE49-F238E27FC236}">
+                <a16:creationId xmlns:a16="http://schemas.microsoft.com/office/drawing/2014/main" id="{D4722A5F-8917-4F27-B6E9-BC628B22B7E1}"/>
+              </a:ext>
+            </a:extLst>
+          </p:cNvPr>
+          <p:cNvCxnSpPr>
+            <a:cxnSpLocks/>
+            <a:stCxn id="4" idx="6"/>
+            <a:endCxn id="8" idx="2"/>
+          </p:cNvCxnSpPr>
+          <p:nvPr/>
+        </p:nvCxnSpPr>
+        <p:spPr>
+          <a:xfrm>
+            <a:off x="3388531" y="3136301"/>
+            <a:ext cx="1065311" cy="523486"/>
+          </a:xfrm>
+          <a:prstGeom prst="line">
+            <a:avLst/>
+          </a:prstGeom>
+          <a:ln w="28575">
+            <a:solidFill>
+              <a:schemeClr val="tx1"/>
+            </a:solidFill>
+          </a:ln>
+        </p:spPr>
+        <p:style>
+          <a:lnRef idx="1">
+            <a:schemeClr val="accent1"/>
+          </a:lnRef>
+          <a:fillRef idx="0">
+            <a:schemeClr val="accent1"/>
+          </a:fillRef>
+          <a:effectRef idx="0">
+            <a:schemeClr val="accent1"/>
+          </a:effectRef>
+          <a:fontRef idx="minor">
+            <a:schemeClr val="tx1"/>
+          </a:fontRef>
+        </p:style>
+      </p:cxnSp>
+      <p:cxnSp>
+        <p:nvCxnSpPr>
+          <p:cNvPr id="56" name="Straight Connector 55">
+            <a:extLst>
+              <a:ext uri="{FF2B5EF4-FFF2-40B4-BE49-F238E27FC236}">
+                <a16:creationId xmlns:a16="http://schemas.microsoft.com/office/drawing/2014/main" id="{F255C84F-0A6B-4D33-A597-B50465978B42}"/>
+              </a:ext>
+            </a:extLst>
+          </p:cNvPr>
+          <p:cNvCxnSpPr>
+            <a:cxnSpLocks/>
+            <a:stCxn id="4" idx="6"/>
+            <a:endCxn id="9" idx="2"/>
+          </p:cNvCxnSpPr>
+          <p:nvPr/>
+        </p:nvCxnSpPr>
+        <p:spPr>
+          <a:xfrm>
+            <a:off x="3388531" y="3136301"/>
+            <a:ext cx="1065311" cy="1448419"/>
+          </a:xfrm>
+          <a:prstGeom prst="line">
+            <a:avLst/>
+          </a:prstGeom>
+          <a:ln w="28575">
+            <a:solidFill>
+              <a:schemeClr val="tx1"/>
+            </a:solidFill>
+          </a:ln>
+        </p:spPr>
+        <p:style>
+          <a:lnRef idx="1">
+            <a:schemeClr val="accent1"/>
+          </a:lnRef>
+          <a:fillRef idx="0">
+            <a:schemeClr val="accent1"/>
+          </a:fillRef>
+          <a:effectRef idx="0">
+            <a:schemeClr val="accent1"/>
+          </a:effectRef>
+          <a:fontRef idx="minor">
+            <a:schemeClr val="tx1"/>
+          </a:fontRef>
+        </p:style>
+      </p:cxnSp>
+      <p:cxnSp>
+        <p:nvCxnSpPr>
+          <p:cNvPr id="59" name="Straight Connector 58">
+            <a:extLst>
+              <a:ext uri="{FF2B5EF4-FFF2-40B4-BE49-F238E27FC236}">
+                <a16:creationId xmlns:a16="http://schemas.microsoft.com/office/drawing/2014/main" id="{E2852301-A8B8-438C-9EF4-403AD4BF9EDD}"/>
+              </a:ext>
+            </a:extLst>
+          </p:cNvPr>
+          <p:cNvCxnSpPr>
+            <a:cxnSpLocks/>
+            <a:stCxn id="6" idx="6"/>
+          </p:cNvCxnSpPr>
+          <p:nvPr/>
+        </p:nvCxnSpPr>
+        <p:spPr>
+          <a:xfrm>
+            <a:off x="5187488" y="1809922"/>
+            <a:ext cx="570614" cy="331211"/>
+          </a:xfrm>
+          <a:prstGeom prst="line">
+            <a:avLst/>
+          </a:prstGeom>
+          <a:ln w="28575">
+            <a:solidFill>
+              <a:schemeClr val="tx1"/>
+            </a:solidFill>
+          </a:ln>
+        </p:spPr>
+        <p:style>
+          <a:lnRef idx="1">
+            <a:schemeClr val="accent1"/>
+          </a:lnRef>
+          <a:fillRef idx="0">
+            <a:schemeClr val="accent1"/>
+          </a:fillRef>
+          <a:effectRef idx="0">
+            <a:schemeClr val="accent1"/>
+          </a:effectRef>
+          <a:fontRef idx="minor">
+            <a:schemeClr val="tx1"/>
+          </a:fontRef>
+        </p:style>
+      </p:cxnSp>
+      <p:cxnSp>
+        <p:nvCxnSpPr>
+          <p:cNvPr id="62" name="Straight Connector 61">
+            <a:extLst>
+              <a:ext uri="{FF2B5EF4-FFF2-40B4-BE49-F238E27FC236}">
+                <a16:creationId xmlns:a16="http://schemas.microsoft.com/office/drawing/2014/main" id="{E774003B-4F0E-4C1C-94A8-97BF7476527A}"/>
+              </a:ext>
+            </a:extLst>
+          </p:cNvPr>
+          <p:cNvCxnSpPr>
+            <a:cxnSpLocks/>
+            <a:stCxn id="7" idx="6"/>
+          </p:cNvCxnSpPr>
+          <p:nvPr/>
+        </p:nvCxnSpPr>
+        <p:spPr>
+          <a:xfrm>
+            <a:off x="5187488" y="2734855"/>
+            <a:ext cx="561754" cy="402045"/>
+          </a:xfrm>
+          <a:prstGeom prst="line">
+            <a:avLst/>
+          </a:prstGeom>
+          <a:ln w="28575">
+            <a:solidFill>
+              <a:schemeClr val="tx1"/>
+            </a:solidFill>
+          </a:ln>
+        </p:spPr>
+        <p:style>
+          <a:lnRef idx="1">
+            <a:schemeClr val="accent1"/>
+          </a:lnRef>
+          <a:fillRef idx="0">
+            <a:schemeClr val="accent1"/>
+          </a:fillRef>
+          <a:effectRef idx="0">
+            <a:schemeClr val="accent1"/>
+          </a:effectRef>
+          <a:fontRef idx="minor">
+            <a:schemeClr val="tx1"/>
+          </a:fontRef>
+        </p:style>
+      </p:cxnSp>
+      <p:cxnSp>
+        <p:nvCxnSpPr>
+          <p:cNvPr id="65" name="Straight Connector 64">
+            <a:extLst>
+              <a:ext uri="{FF2B5EF4-FFF2-40B4-BE49-F238E27FC236}">
+                <a16:creationId xmlns:a16="http://schemas.microsoft.com/office/drawing/2014/main" id="{10AB9902-BFF1-4CD2-9966-3FA63BBFE03B}"/>
+              </a:ext>
+            </a:extLst>
+          </p:cNvPr>
+          <p:cNvCxnSpPr>
+            <a:cxnSpLocks/>
+            <a:stCxn id="8" idx="6"/>
+          </p:cNvCxnSpPr>
+          <p:nvPr/>
+        </p:nvCxnSpPr>
+        <p:spPr>
+          <a:xfrm>
+            <a:off x="5166223" y="3659787"/>
+            <a:ext cx="591879" cy="472880"/>
+          </a:xfrm>
+          <a:prstGeom prst="line">
+            <a:avLst/>
+          </a:prstGeom>
+          <a:ln w="28575">
+            <a:solidFill>
+              <a:schemeClr val="tx1"/>
+            </a:solidFill>
+          </a:ln>
+        </p:spPr>
+        <p:style>
+          <a:lnRef idx="1">
+            <a:schemeClr val="accent1"/>
+          </a:lnRef>
+          <a:fillRef idx="0">
+            <a:schemeClr val="accent1"/>
+          </a:fillRef>
+          <a:effectRef idx="0">
+            <a:schemeClr val="accent1"/>
+          </a:effectRef>
+          <a:fontRef idx="minor">
+            <a:schemeClr val="tx1"/>
+          </a:fontRef>
+        </p:style>
+      </p:cxnSp>
+      <p:cxnSp>
+        <p:nvCxnSpPr>
+          <p:cNvPr id="68" name="Straight Connector 67">
+            <a:extLst>
+              <a:ext uri="{FF2B5EF4-FFF2-40B4-BE49-F238E27FC236}">
+                <a16:creationId xmlns:a16="http://schemas.microsoft.com/office/drawing/2014/main" id="{84AC3B85-B1D4-453F-95FC-CC8D04384A7A}"/>
+              </a:ext>
+            </a:extLst>
+          </p:cNvPr>
+          <p:cNvCxnSpPr>
+            <a:cxnSpLocks/>
+            <a:stCxn id="9" idx="6"/>
+          </p:cNvCxnSpPr>
+          <p:nvPr/>
+        </p:nvCxnSpPr>
+        <p:spPr>
+          <a:xfrm flipV="1">
+            <a:off x="5166223" y="4132667"/>
+            <a:ext cx="591879" cy="452053"/>
+          </a:xfrm>
+          <a:prstGeom prst="line">
+            <a:avLst/>
+          </a:prstGeom>
+          <a:ln w="28575">
+            <a:solidFill>
+              <a:schemeClr val="tx1"/>
+            </a:solidFill>
+          </a:ln>
+        </p:spPr>
+        <p:style>
+          <a:lnRef idx="1">
+            <a:schemeClr val="accent1"/>
+          </a:lnRef>
+          <a:fillRef idx="0">
+            <a:schemeClr val="accent1"/>
+          </a:fillRef>
+          <a:effectRef idx="0">
+            <a:schemeClr val="accent1"/>
+          </a:effectRef>
+          <a:fontRef idx="minor">
+            <a:schemeClr val="tx1"/>
+          </a:fontRef>
+        </p:style>
+      </p:cxnSp>
+      <p:cxnSp>
+        <p:nvCxnSpPr>
+          <p:cNvPr id="71" name="Straight Connector 70">
+            <a:extLst>
+              <a:ext uri="{FF2B5EF4-FFF2-40B4-BE49-F238E27FC236}">
+                <a16:creationId xmlns:a16="http://schemas.microsoft.com/office/drawing/2014/main" id="{CFDEA515-5967-4D87-854A-6219A312D989}"/>
+              </a:ext>
+            </a:extLst>
+          </p:cNvPr>
+          <p:cNvCxnSpPr>
+            <a:cxnSpLocks/>
+            <a:stCxn id="8" idx="6"/>
+          </p:cNvCxnSpPr>
+          <p:nvPr/>
+        </p:nvCxnSpPr>
+        <p:spPr>
+          <a:xfrm flipV="1">
+            <a:off x="5166223" y="3136900"/>
+            <a:ext cx="583019" cy="522887"/>
+          </a:xfrm>
+          <a:prstGeom prst="line">
+            <a:avLst/>
+          </a:prstGeom>
+          <a:ln w="28575">
+            <a:solidFill>
+              <a:schemeClr val="tx1"/>
+            </a:solidFill>
+          </a:ln>
+        </p:spPr>
+        <p:style>
+          <a:lnRef idx="1">
+            <a:schemeClr val="accent1"/>
+          </a:lnRef>
+          <a:fillRef idx="0">
+            <a:schemeClr val="accent1"/>
+          </a:fillRef>
+          <a:effectRef idx="0">
+            <a:schemeClr val="accent1"/>
+          </a:effectRef>
+          <a:fontRef idx="minor">
+            <a:schemeClr val="tx1"/>
+          </a:fontRef>
+        </p:style>
+      </p:cxnSp>
+      <p:cxnSp>
+        <p:nvCxnSpPr>
+          <p:cNvPr id="74" name="Straight Connector 73">
+            <a:extLst>
+              <a:ext uri="{FF2B5EF4-FFF2-40B4-BE49-F238E27FC236}">
+                <a16:creationId xmlns:a16="http://schemas.microsoft.com/office/drawing/2014/main" id="{D530B751-84FA-4E25-B9DE-06D13339D741}"/>
+              </a:ext>
+            </a:extLst>
+          </p:cNvPr>
+          <p:cNvCxnSpPr>
+            <a:cxnSpLocks/>
+            <a:stCxn id="7" idx="6"/>
+          </p:cNvCxnSpPr>
+          <p:nvPr/>
+        </p:nvCxnSpPr>
+        <p:spPr>
+          <a:xfrm flipV="1">
+            <a:off x="5187488" y="2141133"/>
+            <a:ext cx="570614" cy="593722"/>
+          </a:xfrm>
+          <a:prstGeom prst="line">
+            <a:avLst/>
+          </a:prstGeom>
+          <a:ln w="28575">
+            <a:solidFill>
+              <a:schemeClr val="tx1"/>
+            </a:solidFill>
+          </a:ln>
+        </p:spPr>
+        <p:style>
+          <a:lnRef idx="1">
+            <a:schemeClr val="accent1"/>
+          </a:lnRef>
+          <a:fillRef idx="0">
+            <a:schemeClr val="accent1"/>
+          </a:fillRef>
+          <a:effectRef idx="0">
+            <a:schemeClr val="accent1"/>
+          </a:effectRef>
+          <a:fontRef idx="minor">
+            <a:schemeClr val="tx1"/>
+          </a:fontRef>
+        </p:style>
+      </p:cxnSp>
+      <p:cxnSp>
+        <p:nvCxnSpPr>
+          <p:cNvPr id="77" name="Straight Connector 76">
+            <a:extLst>
+              <a:ext uri="{FF2B5EF4-FFF2-40B4-BE49-F238E27FC236}">
+                <a16:creationId xmlns:a16="http://schemas.microsoft.com/office/drawing/2014/main" id="{ECBE6E72-2469-4985-A701-AA6F23EF83DC}"/>
+              </a:ext>
+            </a:extLst>
+          </p:cNvPr>
+          <p:cNvCxnSpPr>
+            <a:cxnSpLocks/>
+            <a:endCxn id="6" idx="6"/>
+          </p:cNvCxnSpPr>
+          <p:nvPr/>
+        </p:nvCxnSpPr>
+        <p:spPr>
+          <a:xfrm flipH="1" flipV="1">
+            <a:off x="5187488" y="1809922"/>
+            <a:ext cx="561754" cy="1326978"/>
+          </a:xfrm>
+          <a:prstGeom prst="line">
+            <a:avLst/>
+          </a:prstGeom>
+          <a:ln w="28575">
+            <a:solidFill>
+              <a:schemeClr val="tx1"/>
+            </a:solidFill>
+          </a:ln>
+        </p:spPr>
+        <p:style>
+          <a:lnRef idx="1">
+            <a:schemeClr val="accent1"/>
+          </a:lnRef>
+          <a:fillRef idx="0">
+            <a:schemeClr val="accent1"/>
+          </a:fillRef>
+          <a:effectRef idx="0">
+            <a:schemeClr val="accent1"/>
+          </a:effectRef>
+          <a:fontRef idx="minor">
+            <a:schemeClr val="tx1"/>
+          </a:fontRef>
+        </p:style>
+      </p:cxnSp>
+      <p:cxnSp>
+        <p:nvCxnSpPr>
+          <p:cNvPr id="80" name="Straight Connector 79">
+            <a:extLst>
+              <a:ext uri="{FF2B5EF4-FFF2-40B4-BE49-F238E27FC236}">
+                <a16:creationId xmlns:a16="http://schemas.microsoft.com/office/drawing/2014/main" id="{3D2A47C1-5305-40E3-AC62-22F49652F5AC}"/>
+              </a:ext>
+            </a:extLst>
+          </p:cNvPr>
+          <p:cNvCxnSpPr>
+            <a:cxnSpLocks/>
+            <a:endCxn id="7" idx="6"/>
+          </p:cNvCxnSpPr>
+          <p:nvPr/>
+        </p:nvCxnSpPr>
+        <p:spPr>
+          <a:xfrm flipH="1" flipV="1">
+            <a:off x="5187488" y="2734855"/>
+            <a:ext cx="570614" cy="1397812"/>
+          </a:xfrm>
+          <a:prstGeom prst="line">
+            <a:avLst/>
+          </a:prstGeom>
+          <a:ln w="28575">
+            <a:solidFill>
+              <a:schemeClr val="tx1"/>
+            </a:solidFill>
+          </a:ln>
+        </p:spPr>
+        <p:style>
+          <a:lnRef idx="1">
+            <a:schemeClr val="accent1"/>
+          </a:lnRef>
+          <a:fillRef idx="0">
+            <a:schemeClr val="accent1"/>
+          </a:fillRef>
+          <a:effectRef idx="0">
+            <a:schemeClr val="accent1"/>
+          </a:effectRef>
+          <a:fontRef idx="minor">
+            <a:schemeClr val="tx1"/>
+          </a:fontRef>
+        </p:style>
+      </p:cxnSp>
+      <p:cxnSp>
+        <p:nvCxnSpPr>
+          <p:cNvPr id="83" name="Straight Connector 82">
+            <a:extLst>
+              <a:ext uri="{FF2B5EF4-FFF2-40B4-BE49-F238E27FC236}">
+                <a16:creationId xmlns:a16="http://schemas.microsoft.com/office/drawing/2014/main" id="{CE03985F-6CFF-4B69-B6C5-97CD16EAA535}"/>
+              </a:ext>
+            </a:extLst>
+          </p:cNvPr>
+          <p:cNvCxnSpPr>
+            <a:cxnSpLocks/>
+            <a:stCxn id="9" idx="6"/>
+          </p:cNvCxnSpPr>
+          <p:nvPr/>
+        </p:nvCxnSpPr>
+        <p:spPr>
+          <a:xfrm flipV="1">
+            <a:off x="5166223" y="3136900"/>
+            <a:ext cx="583019" cy="1447820"/>
+          </a:xfrm>
+          <a:prstGeom prst="line">
+            <a:avLst/>
+          </a:prstGeom>
+          <a:ln w="28575">
+            <a:solidFill>
+              <a:schemeClr val="tx1"/>
+            </a:solidFill>
+          </a:ln>
+        </p:spPr>
+        <p:style>
+          <a:lnRef idx="1">
+            <a:schemeClr val="accent1"/>
+          </a:lnRef>
+          <a:fillRef idx="0">
+            <a:schemeClr val="accent1"/>
+          </a:fillRef>
+          <a:effectRef idx="0">
+            <a:schemeClr val="accent1"/>
+          </a:effectRef>
+          <a:fontRef idx="minor">
+            <a:schemeClr val="tx1"/>
+          </a:fontRef>
+        </p:style>
+      </p:cxnSp>
+      <p:cxnSp>
+        <p:nvCxnSpPr>
+          <p:cNvPr id="86" name="Straight Connector 85">
+            <a:extLst>
+              <a:ext uri="{FF2B5EF4-FFF2-40B4-BE49-F238E27FC236}">
+                <a16:creationId xmlns:a16="http://schemas.microsoft.com/office/drawing/2014/main" id="{47C78BFA-8904-4FF8-AFD8-A5F4AEC5DD61}"/>
+              </a:ext>
+            </a:extLst>
+          </p:cNvPr>
+          <p:cNvCxnSpPr>
+            <a:cxnSpLocks/>
+            <a:stCxn id="8" idx="6"/>
+          </p:cNvCxnSpPr>
+          <p:nvPr/>
+        </p:nvCxnSpPr>
+        <p:spPr>
+          <a:xfrm flipV="1">
+            <a:off x="5166223" y="2141133"/>
+            <a:ext cx="591879" cy="1518654"/>
+          </a:xfrm>
+          <a:prstGeom prst="line">
+            <a:avLst/>
+          </a:prstGeom>
+          <a:ln w="28575">
+            <a:solidFill>
+              <a:schemeClr val="tx1"/>
+            </a:solidFill>
+          </a:ln>
+        </p:spPr>
+        <p:style>
+          <a:lnRef idx="1">
+            <a:schemeClr val="accent1"/>
+          </a:lnRef>
+          <a:fillRef idx="0">
+            <a:schemeClr val="accent1"/>
+          </a:fillRef>
+          <a:effectRef idx="0">
+            <a:schemeClr val="accent1"/>
+          </a:effectRef>
+          <a:fontRef idx="minor">
+            <a:schemeClr val="tx1"/>
+          </a:fontRef>
+        </p:style>
+      </p:cxnSp>
+      <p:cxnSp>
+        <p:nvCxnSpPr>
+          <p:cNvPr id="89" name="Straight Connector 88">
+            <a:extLst>
+              <a:ext uri="{FF2B5EF4-FFF2-40B4-BE49-F238E27FC236}">
+                <a16:creationId xmlns:a16="http://schemas.microsoft.com/office/drawing/2014/main" id="{3CF02310-7B67-489F-8EDA-106073ED18EC}"/>
+              </a:ext>
+            </a:extLst>
+          </p:cNvPr>
+          <p:cNvCxnSpPr>
+            <a:cxnSpLocks/>
+            <a:endCxn id="6" idx="6"/>
+          </p:cNvCxnSpPr>
+          <p:nvPr/>
+        </p:nvCxnSpPr>
+        <p:spPr>
+          <a:xfrm flipH="1" flipV="1">
+            <a:off x="5187488" y="1809922"/>
+            <a:ext cx="570614" cy="2322745"/>
+          </a:xfrm>
+          <a:prstGeom prst="line">
+            <a:avLst/>
+          </a:prstGeom>
+          <a:ln w="28575">
+            <a:solidFill>
+              <a:schemeClr val="tx1"/>
+            </a:solidFill>
+          </a:ln>
+        </p:spPr>
+        <p:style>
+          <a:lnRef idx="1">
+            <a:schemeClr val="accent1"/>
+          </a:lnRef>
+          <a:fillRef idx="0">
+            <a:schemeClr val="accent1"/>
+          </a:fillRef>
+          <a:effectRef idx="0">
+            <a:schemeClr val="accent1"/>
+          </a:effectRef>
+          <a:fontRef idx="minor">
+            <a:schemeClr val="tx1"/>
+          </a:fontRef>
+        </p:style>
+      </p:cxnSp>
+      <p:cxnSp>
+        <p:nvCxnSpPr>
+          <p:cNvPr id="92" name="Straight Connector 91">
+            <a:extLst>
+              <a:ext uri="{FF2B5EF4-FFF2-40B4-BE49-F238E27FC236}">
+                <a16:creationId xmlns:a16="http://schemas.microsoft.com/office/drawing/2014/main" id="{4F6388CF-89E8-49CF-B3CA-57155A25BA7C}"/>
+              </a:ext>
+            </a:extLst>
+          </p:cNvPr>
+          <p:cNvCxnSpPr>
+            <a:cxnSpLocks/>
+            <a:stCxn id="9" idx="6"/>
+          </p:cNvCxnSpPr>
+          <p:nvPr/>
+        </p:nvCxnSpPr>
+        <p:spPr>
+          <a:xfrm flipV="1">
+            <a:off x="5166223" y="2141133"/>
+            <a:ext cx="591879" cy="2443587"/>
+          </a:xfrm>
+          <a:prstGeom prst="line">
+            <a:avLst/>
+          </a:prstGeom>
+          <a:ln w="28575">
+            <a:solidFill>
+              <a:schemeClr val="tx1"/>
+            </a:solidFill>
+          </a:ln>
+        </p:spPr>
+        <p:style>
+          <a:lnRef idx="1">
+            <a:schemeClr val="accent1"/>
+          </a:lnRef>
+          <a:fillRef idx="0">
+            <a:schemeClr val="accent1"/>
+          </a:fillRef>
+          <a:effectRef idx="0">
+            <a:schemeClr val="accent1"/>
+          </a:effectRef>
+          <a:fontRef idx="minor">
+            <a:schemeClr val="tx1"/>
+          </a:fontRef>
+        </p:style>
+      </p:cxnSp>
+      <p:cxnSp>
+        <p:nvCxnSpPr>
+          <p:cNvPr id="95" name="Straight Connector 94">
+            <a:extLst>
+              <a:ext uri="{FF2B5EF4-FFF2-40B4-BE49-F238E27FC236}">
+                <a16:creationId xmlns:a16="http://schemas.microsoft.com/office/drawing/2014/main" id="{0A892AEF-783F-42BE-9E6F-62D2E502E2A4}"/>
+              </a:ext>
+            </a:extLst>
+          </p:cNvPr>
+          <p:cNvCxnSpPr>
+            <a:cxnSpLocks/>
+            <a:stCxn id="25" idx="2"/>
+          </p:cNvCxnSpPr>
+          <p:nvPr/>
+        </p:nvCxnSpPr>
+        <p:spPr>
+          <a:xfrm flipH="1" flipV="1">
+            <a:off x="6470483" y="2141133"/>
+            <a:ext cx="535163" cy="1585873"/>
+          </a:xfrm>
+          <a:prstGeom prst="line">
+            <a:avLst/>
+          </a:prstGeom>
+          <a:ln w="28575">
+            <a:solidFill>
+              <a:schemeClr val="tx1"/>
+            </a:solidFill>
+          </a:ln>
+        </p:spPr>
+        <p:style>
+          <a:lnRef idx="1">
+            <a:schemeClr val="accent1"/>
+          </a:lnRef>
+          <a:fillRef idx="0">
+            <a:schemeClr val="accent1"/>
+          </a:fillRef>
+          <a:effectRef idx="0">
+            <a:schemeClr val="accent1"/>
+          </a:effectRef>
+          <a:fontRef idx="minor">
+            <a:schemeClr val="tx1"/>
+          </a:fontRef>
+        </p:style>
+      </p:cxnSp>
+      <p:cxnSp>
+        <p:nvCxnSpPr>
+          <p:cNvPr id="98" name="Straight Connector 97">
+            <a:extLst>
+              <a:ext uri="{FF2B5EF4-FFF2-40B4-BE49-F238E27FC236}">
+                <a16:creationId xmlns:a16="http://schemas.microsoft.com/office/drawing/2014/main" id="{E0899CF3-BFA8-48E9-96BE-9474A56EFEE2}"/>
+              </a:ext>
+            </a:extLst>
+          </p:cNvPr>
+          <p:cNvCxnSpPr>
+            <a:cxnSpLocks/>
+            <a:stCxn id="24" idx="2"/>
+          </p:cNvCxnSpPr>
+          <p:nvPr/>
+        </p:nvCxnSpPr>
+        <p:spPr>
+          <a:xfrm flipH="1" flipV="1">
+            <a:off x="6470483" y="2141133"/>
+            <a:ext cx="535163" cy="520990"/>
+          </a:xfrm>
+          <a:prstGeom prst="line">
+            <a:avLst/>
+          </a:prstGeom>
+          <a:ln w="28575">
+            <a:solidFill>
+              <a:schemeClr val="tx1"/>
+            </a:solidFill>
+          </a:ln>
+        </p:spPr>
+        <p:style>
+          <a:lnRef idx="1">
+            <a:schemeClr val="accent1"/>
+          </a:lnRef>
+          <a:fillRef idx="0">
+            <a:schemeClr val="accent1"/>
+          </a:fillRef>
+          <a:effectRef idx="0">
+            <a:schemeClr val="accent1"/>
+          </a:effectRef>
+          <a:fontRef idx="minor">
+            <a:schemeClr val="tx1"/>
+          </a:fontRef>
+        </p:style>
+      </p:cxnSp>
+      <p:cxnSp>
+        <p:nvCxnSpPr>
+          <p:cNvPr id="101" name="Straight Connector 100">
+            <a:extLst>
+              <a:ext uri="{FF2B5EF4-FFF2-40B4-BE49-F238E27FC236}">
+                <a16:creationId xmlns:a16="http://schemas.microsoft.com/office/drawing/2014/main" id="{09BD25F2-CA50-470B-9C6B-F907547036EC}"/>
+              </a:ext>
+            </a:extLst>
+          </p:cNvPr>
+          <p:cNvCxnSpPr>
+            <a:cxnSpLocks/>
+            <a:endCxn id="24" idx="2"/>
+          </p:cNvCxnSpPr>
+          <p:nvPr/>
+        </p:nvCxnSpPr>
+        <p:spPr>
+          <a:xfrm flipV="1">
+            <a:off x="6461623" y="2662123"/>
+            <a:ext cx="544023" cy="474777"/>
+          </a:xfrm>
+          <a:prstGeom prst="line">
+            <a:avLst/>
+          </a:prstGeom>
+          <a:ln w="28575">
+            <a:solidFill>
+              <a:schemeClr val="tx1"/>
+            </a:solidFill>
+          </a:ln>
+        </p:spPr>
+        <p:style>
+          <a:lnRef idx="1">
+            <a:schemeClr val="accent1"/>
+          </a:lnRef>
+          <a:fillRef idx="0">
+            <a:schemeClr val="accent1"/>
+          </a:fillRef>
+          <a:effectRef idx="0">
+            <a:schemeClr val="accent1"/>
+          </a:effectRef>
+          <a:fontRef idx="minor">
+            <a:schemeClr val="tx1"/>
+          </a:fontRef>
+        </p:style>
+      </p:cxnSp>
+      <p:cxnSp>
+        <p:nvCxnSpPr>
+          <p:cNvPr id="103" name="Straight Connector 102">
+            <a:extLst>
+              <a:ext uri="{FF2B5EF4-FFF2-40B4-BE49-F238E27FC236}">
+                <a16:creationId xmlns:a16="http://schemas.microsoft.com/office/drawing/2014/main" id="{0A5226BE-664D-4F25-A842-A038F6BB37DA}"/>
+              </a:ext>
+            </a:extLst>
+          </p:cNvPr>
+          <p:cNvCxnSpPr>
+            <a:cxnSpLocks/>
+            <a:endCxn id="25" idx="2"/>
+          </p:cNvCxnSpPr>
+          <p:nvPr/>
+        </p:nvCxnSpPr>
+        <p:spPr>
+          <a:xfrm flipV="1">
+            <a:off x="6470483" y="3727006"/>
+            <a:ext cx="535163" cy="405661"/>
+          </a:xfrm>
+          <a:prstGeom prst="line">
+            <a:avLst/>
+          </a:prstGeom>
+          <a:ln w="28575">
+            <a:solidFill>
+              <a:schemeClr val="tx1"/>
+            </a:solidFill>
+          </a:ln>
+        </p:spPr>
+        <p:style>
+          <a:lnRef idx="1">
+            <a:schemeClr val="accent1"/>
+          </a:lnRef>
+          <a:fillRef idx="0">
+            <a:schemeClr val="accent1"/>
+          </a:fillRef>
+          <a:effectRef idx="0">
+            <a:schemeClr val="accent1"/>
+          </a:effectRef>
+          <a:fontRef idx="minor">
+            <a:schemeClr val="tx1"/>
+          </a:fontRef>
+        </p:style>
+      </p:cxnSp>
+      <p:cxnSp>
+        <p:nvCxnSpPr>
+          <p:cNvPr id="107" name="Straight Connector 106">
+            <a:extLst>
+              <a:ext uri="{FF2B5EF4-FFF2-40B4-BE49-F238E27FC236}">
+                <a16:creationId xmlns:a16="http://schemas.microsoft.com/office/drawing/2014/main" id="{87FE403B-80A2-49A7-960E-9F38238DCFF0}"/>
+              </a:ext>
+            </a:extLst>
+          </p:cNvPr>
+          <p:cNvCxnSpPr>
+            <a:cxnSpLocks/>
+            <a:endCxn id="24" idx="2"/>
+          </p:cNvCxnSpPr>
+          <p:nvPr/>
+        </p:nvCxnSpPr>
+        <p:spPr>
+          <a:xfrm flipV="1">
+            <a:off x="6470483" y="2662123"/>
+            <a:ext cx="535163" cy="1470544"/>
+          </a:xfrm>
+          <a:prstGeom prst="line">
+            <a:avLst/>
+          </a:prstGeom>
+          <a:ln w="28575">
+            <a:solidFill>
+              <a:schemeClr val="tx1"/>
+            </a:solidFill>
+          </a:ln>
+        </p:spPr>
+        <p:style>
+          <a:lnRef idx="1">
+            <a:schemeClr val="accent1"/>
+          </a:lnRef>
+          <a:fillRef idx="0">
+            <a:schemeClr val="accent1"/>
+          </a:fillRef>
+          <a:effectRef idx="0">
+            <a:schemeClr val="accent1"/>
+          </a:effectRef>
+          <a:fontRef idx="minor">
+            <a:schemeClr val="tx1"/>
+          </a:fontRef>
+        </p:style>
+      </p:cxnSp>
+      <p:cxnSp>
+        <p:nvCxnSpPr>
+          <p:cNvPr id="110" name="Straight Connector 109">
+            <a:extLst>
+              <a:ext uri="{FF2B5EF4-FFF2-40B4-BE49-F238E27FC236}">
+                <a16:creationId xmlns:a16="http://schemas.microsoft.com/office/drawing/2014/main" id="{13A54861-7565-46E0-BCA1-869F718819EA}"/>
+              </a:ext>
+            </a:extLst>
+          </p:cNvPr>
+          <p:cNvCxnSpPr>
+            <a:cxnSpLocks/>
+            <a:stCxn id="25" idx="2"/>
+          </p:cNvCxnSpPr>
+          <p:nvPr/>
+        </p:nvCxnSpPr>
+        <p:spPr>
+          <a:xfrm flipH="1" flipV="1">
+            <a:off x="6461623" y="3136900"/>
+            <a:ext cx="544023" cy="590106"/>
+          </a:xfrm>
+          <a:prstGeom prst="line">
+            <a:avLst/>
+          </a:prstGeom>
+          <a:ln w="28575">
+            <a:solidFill>
+              <a:schemeClr val="tx1"/>
+            </a:solidFill>
+          </a:ln>
+        </p:spPr>
+        <p:style>
+          <a:lnRef idx="1">
+            <a:schemeClr val="accent1"/>
+          </a:lnRef>
+          <a:fillRef idx="0">
+            <a:schemeClr val="accent1"/>
+          </a:fillRef>
+          <a:effectRef idx="0">
+            <a:schemeClr val="accent1"/>
+          </a:effectRef>
+          <a:fontRef idx="minor">
+            <a:schemeClr val="tx1"/>
+          </a:fontRef>
+        </p:style>
+      </p:cxnSp>
+      <p:cxnSp>
+        <p:nvCxnSpPr>
+          <p:cNvPr id="113" name="Straight Connector 112">
+            <a:extLst>
+              <a:ext uri="{FF2B5EF4-FFF2-40B4-BE49-F238E27FC236}">
+                <a16:creationId xmlns:a16="http://schemas.microsoft.com/office/drawing/2014/main" id="{1897390A-70C4-44F8-9410-72289985B914}"/>
+              </a:ext>
+            </a:extLst>
+          </p:cNvPr>
+          <p:cNvCxnSpPr>
+            <a:cxnSpLocks/>
+            <a:stCxn id="26" idx="2"/>
+            <a:endCxn id="24" idx="6"/>
+          </p:cNvCxnSpPr>
+          <p:nvPr/>
+        </p:nvCxnSpPr>
+        <p:spPr>
+          <a:xfrm flipH="1" flipV="1">
+            <a:off x="7718027" y="2662123"/>
+            <a:ext cx="727337" cy="483793"/>
+          </a:xfrm>
+          <a:prstGeom prst="line">
+            <a:avLst/>
+          </a:prstGeom>
+          <a:ln w="28575">
+            <a:solidFill>
+              <a:schemeClr val="tx1"/>
+            </a:solidFill>
+          </a:ln>
+        </p:spPr>
+        <p:style>
+          <a:lnRef idx="1">
+            <a:schemeClr val="accent1"/>
+          </a:lnRef>
+          <a:fillRef idx="0">
+            <a:schemeClr val="accent1"/>
+          </a:fillRef>
+          <a:effectRef idx="0">
+            <a:schemeClr val="accent1"/>
+          </a:effectRef>
+          <a:fontRef idx="minor">
+            <a:schemeClr val="tx1"/>
+          </a:fontRef>
+        </p:style>
+      </p:cxnSp>
+      <p:cxnSp>
+        <p:nvCxnSpPr>
+          <p:cNvPr id="116" name="Straight Connector 115">
+            <a:extLst>
+              <a:ext uri="{FF2B5EF4-FFF2-40B4-BE49-F238E27FC236}">
+                <a16:creationId xmlns:a16="http://schemas.microsoft.com/office/drawing/2014/main" id="{0C672888-97C6-4BE6-BAE6-FD1F10D84B9D}"/>
+              </a:ext>
+            </a:extLst>
+          </p:cNvPr>
+          <p:cNvCxnSpPr>
+            <a:cxnSpLocks/>
+            <a:stCxn id="25" idx="6"/>
+            <a:endCxn id="26" idx="2"/>
+          </p:cNvCxnSpPr>
+          <p:nvPr/>
+        </p:nvCxnSpPr>
+        <p:spPr>
+          <a:xfrm flipV="1">
+            <a:off x="7718027" y="3145916"/>
+            <a:ext cx="727337" cy="581090"/>
+          </a:xfrm>
+          <a:prstGeom prst="line">
+            <a:avLst/>
+          </a:prstGeom>
+          <a:ln w="28575">
+            <a:solidFill>
+              <a:schemeClr val="tx1"/>
+            </a:solidFill>
+          </a:ln>
+        </p:spPr>
+        <p:style>
+          <a:lnRef idx="1">
+            <a:schemeClr val="accent1"/>
+          </a:lnRef>
+          <a:fillRef idx="0">
+            <a:schemeClr val="accent1"/>
+          </a:fillRef>
+          <a:effectRef idx="0">
+            <a:schemeClr val="accent1"/>
+          </a:effectRef>
+          <a:fontRef idx="minor">
+            <a:schemeClr val="tx1"/>
+          </a:fontRef>
+        </p:style>
+      </p:cxnSp>
+      <p:sp>
+        <p:nvSpPr>
+          <p:cNvPr id="10" name="TextBox 9">
+            <a:extLst>
+              <a:ext uri="{FF2B5EF4-FFF2-40B4-BE49-F238E27FC236}">
+                <a16:creationId xmlns:a16="http://schemas.microsoft.com/office/drawing/2014/main" id="{3FB9DE9D-5A7F-462A-AC06-BD3BA8EAD0F1}"/>
+              </a:ext>
+            </a:extLst>
+          </p:cNvPr>
+          <p:cNvSpPr txBox="1"/>
+          <p:nvPr/>
+        </p:nvSpPr>
+        <p:spPr>
+          <a:xfrm>
+            <a:off x="7175776" y="2679700"/>
+            <a:ext cx="65" cy="276999"/>
+          </a:xfrm>
+          <a:prstGeom prst="rect">
+            <a:avLst/>
+          </a:prstGeom>
+          <a:noFill/>
+        </p:spPr>
+        <p:txBody>
+          <a:bodyPr wrap="none" lIns="0" tIns="0" rIns="0" bIns="0" rtlCol="0">
+            <a:spAutoFit/>
+          </a:bodyPr>
+          <a:lstStyle/>
+          <a:p>
+            <a:endParaRPr lang="en-US" dirty="0"/>
+          </a:p>
+        </p:txBody>
+      </p:sp>
+      <mc:AlternateContent xmlns:mc="http://schemas.openxmlformats.org/markup-compatibility/2006" xmlns:a14="http://schemas.microsoft.com/office/drawing/2010/main">
+        <mc:Choice Requires="a14">
+          <p:sp>
+            <p:nvSpPr>
+              <p:cNvPr id="11" name="Rectangle 10">
+                <a:extLst>
+                  <a:ext uri="{FF2B5EF4-FFF2-40B4-BE49-F238E27FC236}">
+                    <a16:creationId xmlns:a16="http://schemas.microsoft.com/office/drawing/2014/main" id="{09DF0AE5-F088-42A1-B20E-E5466642F4AD}"/>
+                  </a:ext>
+                </a:extLst>
+              </p:cNvPr>
+              <p:cNvSpPr/>
+              <p:nvPr/>
+            </p:nvSpPr>
+            <p:spPr>
+              <a:xfrm>
+                <a:off x="2804329" y="2842219"/>
+                <a:ext cx="443008" cy="584775"/>
+              </a:xfrm>
+              <a:prstGeom prst="rect">
+                <a:avLst/>
+              </a:prstGeom>
+            </p:spPr>
+            <p:txBody>
+              <a:bodyPr wrap="square">
+                <a:spAutoFit/>
+              </a:bodyPr>
+              <a:lstStyle/>
+              <a:p>
+                <a:pPr/>
+                <a14:m>
+                  <m:oMathPara xmlns:m="http://schemas.openxmlformats.org/officeDocument/2006/math">
+                    <m:oMathParaPr>
+                      <m:jc m:val="centerGroup"/>
+                    </m:oMathParaPr>
+                    <m:oMath xmlns:m="http://schemas.openxmlformats.org/officeDocument/2006/math">
+                      <m:r>
+                        <a:rPr lang="en-US" sz="3200" b="1" i="1" smtClean="0">
+                          <a:solidFill>
+                            <a:schemeClr val="bg1"/>
+                          </a:solidFill>
+                          <a:latin typeface="Cambria Math" panose="02040503050406030204" pitchFamily="18" charset="0"/>
+                        </a:rPr>
+                        <m:t>𝑿</m:t>
+                      </m:r>
+                    </m:oMath>
+                  </m:oMathPara>
+                </a14:m>
+                <a:endParaRPr lang="en-US" sz="3600" b="1" dirty="0">
+                  <a:solidFill>
+                    <a:schemeClr val="bg1"/>
+                  </a:solidFill>
+                </a:endParaRPr>
+              </a:p>
+            </p:txBody>
+          </p:sp>
+        </mc:Choice>
+        <mc:Fallback xmlns="">
+          <p:sp>
+            <p:nvSpPr>
+              <p:cNvPr id="11" name="Rectangle 10">
+                <a:extLst>
+                  <a:ext uri="{FF2B5EF4-FFF2-40B4-BE49-F238E27FC236}">
+                    <a16:creationId xmlns:a16="http://schemas.microsoft.com/office/drawing/2014/main" id="{09DF0AE5-F088-42A1-B20E-E5466642F4AD}"/>
+                  </a:ext>
+                </a:extLst>
+              </p:cNvPr>
+              <p:cNvSpPr>
+                <a:spLocks noRot="1" noChangeAspect="1" noMove="1" noResize="1" noEditPoints="1" noAdjustHandles="1" noChangeArrowheads="1" noChangeShapeType="1" noTextEdit="1"/>
+              </p:cNvSpPr>
+              <p:nvPr/>
+            </p:nvSpPr>
+            <p:spPr>
+              <a:xfrm>
+                <a:off x="2804329" y="2842219"/>
+                <a:ext cx="443008" cy="584775"/>
+              </a:xfrm>
+              <a:prstGeom prst="rect">
+                <a:avLst/>
+              </a:prstGeom>
+              <a:blipFill>
+                <a:blip r:embed="rId2"/>
+                <a:stretch>
+                  <a:fillRect l="-8333" r="-13889"/>
+                </a:stretch>
+              </a:blipFill>
+            </p:spPr>
+            <p:txBody>
+              <a:bodyPr/>
+              <a:lstStyle/>
+              <a:p>
+                <a:r>
+                  <a:rPr lang="en-US">
+                    <a:noFill/>
+                  </a:rPr>
+                  <a:t> </a:t>
+                </a:r>
+              </a:p>
+            </p:txBody>
+          </p:sp>
+        </mc:Fallback>
+      </mc:AlternateContent>
+      <mc:AlternateContent xmlns:mc="http://schemas.openxmlformats.org/markup-compatibility/2006" xmlns:a14="http://schemas.microsoft.com/office/drawing/2010/main">
+        <mc:Choice Requires="a14">
+          <p:sp>
+            <p:nvSpPr>
+              <p:cNvPr id="57" name="Rectangle 56">
+                <a:extLst>
+                  <a:ext uri="{FF2B5EF4-FFF2-40B4-BE49-F238E27FC236}">
+                    <a16:creationId xmlns:a16="http://schemas.microsoft.com/office/drawing/2014/main" id="{4D3B4E15-CF86-4F08-9503-25300BCC8135}"/>
+                  </a:ext>
+                </a:extLst>
+              </p:cNvPr>
+              <p:cNvSpPr/>
+              <p:nvPr/>
+            </p:nvSpPr>
+            <p:spPr>
+              <a:xfrm>
+                <a:off x="8580050" y="2842219"/>
+                <a:ext cx="443008" cy="598177"/>
+              </a:xfrm>
+              <a:prstGeom prst="rect">
+                <a:avLst/>
+              </a:prstGeom>
+            </p:spPr>
+            <p:txBody>
+              <a:bodyPr wrap="square">
+                <a:spAutoFit/>
+              </a:bodyPr>
+              <a:lstStyle/>
+              <a:p>
+                <a:pPr/>
+                <a14:m>
+                  <m:oMathPara xmlns:m="http://schemas.openxmlformats.org/officeDocument/2006/math">
+                    <m:oMathParaPr>
+                      <m:jc m:val="centerGroup"/>
+                    </m:oMathParaPr>
+                    <m:oMath xmlns:m="http://schemas.openxmlformats.org/officeDocument/2006/math">
+                      <m:acc>
+                        <m:accPr>
+                          <m:chr m:val="̂"/>
+                          <m:ctrlPr>
+                            <a:rPr lang="en-US" sz="3200" b="1" i="1" smtClean="0">
+                              <a:latin typeface="Cambria Math" panose="02040503050406030204" pitchFamily="18" charset="0"/>
+                              <a:ea typeface="Cambria Math" panose="02040503050406030204" pitchFamily="18" charset="0"/>
+                            </a:rPr>
+                          </m:ctrlPr>
+                        </m:accPr>
+                        <m:e>
+                          <m:r>
+                            <a:rPr lang="en-US" altLang="zh-CN" sz="3200" b="1" i="1" smtClean="0">
+                              <a:latin typeface="Cambria Math" panose="02040503050406030204" pitchFamily="18" charset="0"/>
+                              <a:ea typeface="Cambria Math" panose="02040503050406030204" pitchFamily="18" charset="0"/>
+                            </a:rPr>
+                            <m:t>𝒑</m:t>
+                          </m:r>
+                        </m:e>
+                      </m:acc>
+                    </m:oMath>
+                  </m:oMathPara>
+                </a14:m>
+                <a:endParaRPr lang="en-US" sz="3600" b="1" dirty="0"/>
+              </a:p>
+            </p:txBody>
+          </p:sp>
+        </mc:Choice>
+        <mc:Fallback xmlns="">
+          <p:sp>
+            <p:nvSpPr>
+              <p:cNvPr id="57" name="Rectangle 56">
+                <a:extLst>
+                  <a:ext uri="{FF2B5EF4-FFF2-40B4-BE49-F238E27FC236}">
+                    <a16:creationId xmlns:a16="http://schemas.microsoft.com/office/drawing/2014/main" id="{4D3B4E15-CF86-4F08-9503-25300BCC8135}"/>
+                  </a:ext>
+                </a:extLst>
+              </p:cNvPr>
+              <p:cNvSpPr>
+                <a:spLocks noRot="1" noChangeAspect="1" noMove="1" noResize="1" noEditPoints="1" noAdjustHandles="1" noChangeArrowheads="1" noChangeShapeType="1" noTextEdit="1"/>
+              </p:cNvSpPr>
+              <p:nvPr/>
+            </p:nvSpPr>
+            <p:spPr>
+              <a:xfrm>
+                <a:off x="8580050" y="2842219"/>
+                <a:ext cx="443008" cy="598177"/>
+              </a:xfrm>
+              <a:prstGeom prst="rect">
+                <a:avLst/>
+              </a:prstGeom>
+              <a:blipFill>
+                <a:blip r:embed="rId3"/>
+                <a:stretch>
+                  <a:fillRect l="-11111" t="-10417" r="-11111" b="-10417"/>
+                </a:stretch>
+              </a:blipFill>
+            </p:spPr>
+            <p:txBody>
+              <a:bodyPr/>
+              <a:lstStyle/>
+              <a:p>
+                <a:r>
+                  <a:rPr lang="en-US">
+                    <a:noFill/>
+                  </a:rPr>
+                  <a:t> </a:t>
+                </a:r>
+              </a:p>
+            </p:txBody>
+          </p:sp>
+        </mc:Fallback>
+      </mc:AlternateContent>
+      <p:sp>
+        <p:nvSpPr>
+          <p:cNvPr id="51" name="Oval 50">
+            <a:extLst>
+              <a:ext uri="{FF2B5EF4-FFF2-40B4-BE49-F238E27FC236}">
+                <a16:creationId xmlns:a16="http://schemas.microsoft.com/office/drawing/2014/main" id="{7FD6D596-73C2-504B-B790-FCC08977A92D}"/>
+              </a:ext>
+            </a:extLst>
+          </p:cNvPr>
+          <p:cNvSpPr/>
+          <p:nvPr/>
+        </p:nvSpPr>
+        <p:spPr>
+          <a:xfrm>
+            <a:off x="8445364" y="4882570"/>
+            <a:ext cx="712381" cy="606057"/>
+          </a:xfrm>
+          <a:prstGeom prst="ellipse">
+            <a:avLst/>
+          </a:prstGeom>
+          <a:solidFill>
+            <a:srgbClr val="FFFF00"/>
+          </a:solidFill>
+        </p:spPr>
+        <p:style>
+          <a:lnRef idx="2">
+            <a:schemeClr val="accent1">
+              <a:shade val="50000"/>
+            </a:schemeClr>
+          </a:lnRef>
+          <a:fillRef idx="1">
+            <a:schemeClr val="accent1"/>
+          </a:fillRef>
+          <a:effectRef idx="0">
+            <a:schemeClr val="accent1"/>
+          </a:effectRef>
+          <a:fontRef idx="minor">
+            <a:schemeClr val="lt1"/>
+          </a:fontRef>
+        </p:style>
+        <p:txBody>
+          <a:bodyPr rtlCol="0" anchor="ctr"/>
+          <a:lstStyle/>
+          <a:p>
+            <a:pPr algn="ctr"/>
+            <a:endParaRPr lang="en-US"/>
+          </a:p>
+        </p:txBody>
+      </p:sp>
+      <p:sp>
+        <p:nvSpPr>
+          <p:cNvPr id="52" name="Rectangle 51">
+            <a:extLst>
+              <a:ext uri="{FF2B5EF4-FFF2-40B4-BE49-F238E27FC236}">
+                <a16:creationId xmlns:a16="http://schemas.microsoft.com/office/drawing/2014/main" id="{0E72F934-2CBE-564C-BC00-FAF584D09A20}"/>
+              </a:ext>
+            </a:extLst>
+          </p:cNvPr>
+          <p:cNvSpPr/>
+          <p:nvPr/>
+        </p:nvSpPr>
+        <p:spPr>
+          <a:xfrm>
+            <a:off x="8580050" y="4881902"/>
+            <a:ext cx="443008" cy="643831"/>
+          </a:xfrm>
+          <a:prstGeom prst="rect">
+            <a:avLst/>
+          </a:prstGeom>
+        </p:spPr>
+        <p:txBody>
+          <a:bodyPr wrap="square">
+            <a:spAutoFit/>
+          </a:bodyPr>
+          <a:lstStyle/>
+          <a:p>
+            <a:r>
+              <a:rPr lang="en-US" altLang="zh-CN" sz="3600" b="1" i="1" dirty="0"/>
+              <a:t>Y</a:t>
+            </a:r>
+            <a:endParaRPr lang="en-US" sz="3600" b="1" i="1" dirty="0"/>
+          </a:p>
+        </p:txBody>
+      </p:sp>
+      <p:sp>
+        <p:nvSpPr>
+          <p:cNvPr id="15" name="TextBox 14">
+            <a:extLst>
+              <a:ext uri="{FF2B5EF4-FFF2-40B4-BE49-F238E27FC236}">
+                <a16:creationId xmlns:a16="http://schemas.microsoft.com/office/drawing/2014/main" id="{B66A34D5-A4CD-A44C-A791-81CC3609B05F}"/>
+              </a:ext>
+            </a:extLst>
+          </p:cNvPr>
+          <p:cNvSpPr txBox="1"/>
+          <p:nvPr/>
+        </p:nvSpPr>
+        <p:spPr>
+          <a:xfrm>
+            <a:off x="2460775" y="3524330"/>
+            <a:ext cx="1143131" cy="369332"/>
+          </a:xfrm>
+          <a:prstGeom prst="rect">
+            <a:avLst/>
+          </a:prstGeom>
+          <a:noFill/>
+        </p:spPr>
+        <p:txBody>
+          <a:bodyPr wrap="square" rtlCol="0">
+            <a:spAutoFit/>
+          </a:bodyPr>
+          <a:lstStyle/>
+          <a:p>
+            <a:pPr algn="ctr"/>
+            <a:r>
+              <a:rPr lang="en-US" altLang="zh-CN" dirty="0"/>
+              <a:t>(n,33)</a:t>
+            </a:r>
+            <a:endParaRPr lang="en-US" dirty="0"/>
+          </a:p>
+        </p:txBody>
+      </p:sp>
+      <p:sp>
+        <p:nvSpPr>
+          <p:cNvPr id="16" name="Rectangle 15">
+            <a:extLst>
+              <a:ext uri="{FF2B5EF4-FFF2-40B4-BE49-F238E27FC236}">
+                <a16:creationId xmlns:a16="http://schemas.microsoft.com/office/drawing/2014/main" id="{23DBE884-988E-4540-80C0-1D760D777F97}"/>
+              </a:ext>
+            </a:extLst>
+          </p:cNvPr>
+          <p:cNvSpPr/>
+          <p:nvPr/>
+        </p:nvSpPr>
+        <p:spPr>
+          <a:xfrm>
+            <a:off x="8460320" y="3448944"/>
+            <a:ext cx="622286" cy="369332"/>
+          </a:xfrm>
+          <a:prstGeom prst="rect">
+            <a:avLst/>
+          </a:prstGeom>
+        </p:spPr>
+        <p:txBody>
+          <a:bodyPr wrap="none">
+            <a:spAutoFit/>
+          </a:bodyPr>
+          <a:lstStyle/>
+          <a:p>
+            <a:pPr algn="ctr"/>
+            <a:r>
+              <a:rPr lang="en-US" altLang="zh-CN" dirty="0"/>
+              <a:t>(n,1)</a:t>
+            </a:r>
+            <a:endParaRPr lang="en-US" dirty="0"/>
+          </a:p>
+        </p:txBody>
+      </p:sp>
+      <p:sp>
+        <p:nvSpPr>
+          <p:cNvPr id="55" name="Rectangle 54">
+            <a:extLst>
+              <a:ext uri="{FF2B5EF4-FFF2-40B4-BE49-F238E27FC236}">
+                <a16:creationId xmlns:a16="http://schemas.microsoft.com/office/drawing/2014/main" id="{C532B8A7-1998-C541-8A22-E992CA1335A9}"/>
+              </a:ext>
+            </a:extLst>
+          </p:cNvPr>
+          <p:cNvSpPr/>
+          <p:nvPr/>
+        </p:nvSpPr>
+        <p:spPr>
+          <a:xfrm>
+            <a:off x="8490411" y="5564257"/>
+            <a:ext cx="622286" cy="369332"/>
+          </a:xfrm>
+          <a:prstGeom prst="rect">
+            <a:avLst/>
+          </a:prstGeom>
+        </p:spPr>
+        <p:txBody>
+          <a:bodyPr wrap="none">
+            <a:spAutoFit/>
+          </a:bodyPr>
+          <a:lstStyle/>
+          <a:p>
+            <a:r>
+              <a:rPr lang="en-US" altLang="zh-CN" dirty="0"/>
+              <a:t>(n,1)</a:t>
+            </a:r>
+            <a:endParaRPr lang="en-US" dirty="0"/>
+          </a:p>
+        </p:txBody>
+      </p:sp>
+      <p:sp>
+        <p:nvSpPr>
+          <p:cNvPr id="37" name="TextBox 36">
+            <a:extLst>
+              <a:ext uri="{FF2B5EF4-FFF2-40B4-BE49-F238E27FC236}">
+                <a16:creationId xmlns:a16="http://schemas.microsoft.com/office/drawing/2014/main" id="{147A021E-B081-1E4C-AFC4-A72975BC6A5D}"/>
+              </a:ext>
+            </a:extLst>
+          </p:cNvPr>
+          <p:cNvSpPr txBox="1"/>
+          <p:nvPr/>
+        </p:nvSpPr>
+        <p:spPr>
+          <a:xfrm>
+            <a:off x="5878604" y="1892648"/>
+            <a:ext cx="515257" cy="369332"/>
+          </a:xfrm>
+          <a:prstGeom prst="rect">
+            <a:avLst/>
+          </a:prstGeom>
+          <a:noFill/>
+        </p:spPr>
+        <p:txBody>
+          <a:bodyPr wrap="square" rtlCol="0">
+            <a:spAutoFit/>
+          </a:bodyPr>
+          <a:lstStyle/>
+          <a:p>
+            <a:r>
+              <a:rPr lang="en-US" altLang="zh-CN" dirty="0"/>
+              <a:t>……</a:t>
+            </a:r>
+            <a:endParaRPr lang="en-US" dirty="0"/>
+          </a:p>
+        </p:txBody>
+      </p:sp>
+      <p:sp>
+        <p:nvSpPr>
+          <p:cNvPr id="72" name="TextBox 71">
+            <a:extLst>
+              <a:ext uri="{FF2B5EF4-FFF2-40B4-BE49-F238E27FC236}">
+                <a16:creationId xmlns:a16="http://schemas.microsoft.com/office/drawing/2014/main" id="{C4A6E8D8-FC62-7F49-BE97-27DA99FAA1FE}"/>
+              </a:ext>
+            </a:extLst>
+          </p:cNvPr>
+          <p:cNvSpPr txBox="1"/>
+          <p:nvPr/>
+        </p:nvSpPr>
+        <p:spPr>
+          <a:xfrm>
+            <a:off x="5843374" y="2853217"/>
+            <a:ext cx="515257" cy="369332"/>
+          </a:xfrm>
+          <a:prstGeom prst="rect">
+            <a:avLst/>
+          </a:prstGeom>
+          <a:noFill/>
+        </p:spPr>
+        <p:txBody>
+          <a:bodyPr wrap="square" rtlCol="0">
+            <a:spAutoFit/>
+          </a:bodyPr>
+          <a:lstStyle/>
+          <a:p>
+            <a:r>
+              <a:rPr lang="en-US" altLang="zh-CN" dirty="0"/>
+              <a:t>……</a:t>
+            </a:r>
+            <a:endParaRPr lang="en-US" dirty="0"/>
+          </a:p>
+        </p:txBody>
+      </p:sp>
+      <p:sp>
+        <p:nvSpPr>
+          <p:cNvPr id="73" name="TextBox 72">
+            <a:extLst>
+              <a:ext uri="{FF2B5EF4-FFF2-40B4-BE49-F238E27FC236}">
+                <a16:creationId xmlns:a16="http://schemas.microsoft.com/office/drawing/2014/main" id="{94EB12E2-1933-0A41-ABB5-BD6605FBCE50}"/>
+              </a:ext>
+            </a:extLst>
+          </p:cNvPr>
+          <p:cNvSpPr txBox="1"/>
+          <p:nvPr/>
+        </p:nvSpPr>
+        <p:spPr>
+          <a:xfrm>
+            <a:off x="5811384" y="3893662"/>
+            <a:ext cx="515257" cy="369332"/>
+          </a:xfrm>
+          <a:prstGeom prst="rect">
+            <a:avLst/>
+          </a:prstGeom>
+          <a:noFill/>
+        </p:spPr>
+        <p:txBody>
+          <a:bodyPr wrap="square" rtlCol="0">
+            <a:spAutoFit/>
+          </a:bodyPr>
+          <a:lstStyle/>
+          <a:p>
+            <a:r>
+              <a:rPr lang="en-US" altLang="zh-CN" dirty="0"/>
+              <a:t>……</a:t>
+            </a:r>
+            <a:endParaRPr lang="en-US" dirty="0"/>
+          </a:p>
+        </p:txBody>
+      </p:sp>
+      <p:sp>
+        <p:nvSpPr>
+          <p:cNvPr id="75" name="Oval 74">
+            <a:extLst>
+              <a:ext uri="{FF2B5EF4-FFF2-40B4-BE49-F238E27FC236}">
+                <a16:creationId xmlns:a16="http://schemas.microsoft.com/office/drawing/2014/main" id="{985CC716-DF96-B04F-9945-3FA039BBEAC1}"/>
+              </a:ext>
+            </a:extLst>
+          </p:cNvPr>
+          <p:cNvSpPr/>
+          <p:nvPr/>
+        </p:nvSpPr>
+        <p:spPr>
+          <a:xfrm>
+            <a:off x="7004514" y="1506892"/>
+            <a:ext cx="712381" cy="606057"/>
+          </a:xfrm>
+          <a:prstGeom prst="ellipse">
+            <a:avLst/>
+          </a:prstGeom>
+          <a:solidFill>
+            <a:srgbClr val="00B050"/>
+          </a:solidFill>
+        </p:spPr>
+        <p:style>
+          <a:lnRef idx="2">
+            <a:schemeClr val="accent1">
+              <a:shade val="50000"/>
+            </a:schemeClr>
+          </a:lnRef>
+          <a:fillRef idx="1">
+            <a:schemeClr val="accent1"/>
+          </a:fillRef>
+          <a:effectRef idx="0">
+            <a:schemeClr val="accent1"/>
+          </a:effectRef>
+          <a:fontRef idx="minor">
+            <a:schemeClr val="lt1"/>
+          </a:fontRef>
+        </p:style>
+        <p:txBody>
+          <a:bodyPr rtlCol="0" anchor="ctr"/>
+          <a:lstStyle/>
+          <a:p>
+            <a:pPr algn="ctr"/>
+            <a:endParaRPr lang="en-US"/>
+          </a:p>
+        </p:txBody>
+      </p:sp>
+      <p:sp>
+        <p:nvSpPr>
+          <p:cNvPr id="76" name="Oval 75">
+            <a:extLst>
+              <a:ext uri="{FF2B5EF4-FFF2-40B4-BE49-F238E27FC236}">
+                <a16:creationId xmlns:a16="http://schemas.microsoft.com/office/drawing/2014/main" id="{A33EE879-4FA4-B743-9661-3E616A325BB4}"/>
+              </a:ext>
+            </a:extLst>
+          </p:cNvPr>
+          <p:cNvSpPr/>
+          <p:nvPr/>
+        </p:nvSpPr>
+        <p:spPr>
+          <a:xfrm>
+            <a:off x="7020602" y="4281691"/>
+            <a:ext cx="712381" cy="606057"/>
+          </a:xfrm>
+          <a:prstGeom prst="ellipse">
+            <a:avLst/>
+          </a:prstGeom>
+          <a:solidFill>
+            <a:srgbClr val="00B050"/>
+          </a:solidFill>
+        </p:spPr>
+        <p:style>
+          <a:lnRef idx="2">
+            <a:schemeClr val="accent1">
+              <a:shade val="50000"/>
+            </a:schemeClr>
+          </a:lnRef>
+          <a:fillRef idx="1">
+            <a:schemeClr val="accent1"/>
+          </a:fillRef>
+          <a:effectRef idx="0">
+            <a:schemeClr val="accent1"/>
+          </a:effectRef>
+          <a:fontRef idx="minor">
+            <a:schemeClr val="lt1"/>
+          </a:fontRef>
+        </p:style>
+        <p:txBody>
+          <a:bodyPr rtlCol="0" anchor="ctr"/>
+          <a:lstStyle/>
+          <a:p>
+            <a:pPr algn="ctr"/>
+            <a:endParaRPr lang="en-US"/>
+          </a:p>
+        </p:txBody>
+      </p:sp>
+      <p:cxnSp>
+        <p:nvCxnSpPr>
+          <p:cNvPr id="78" name="Straight Connector 77">
+            <a:extLst>
+              <a:ext uri="{FF2B5EF4-FFF2-40B4-BE49-F238E27FC236}">
+                <a16:creationId xmlns:a16="http://schemas.microsoft.com/office/drawing/2014/main" id="{60323037-3D64-EA49-890D-59AA548A03AC}"/>
+              </a:ext>
+            </a:extLst>
+          </p:cNvPr>
+          <p:cNvCxnSpPr>
+            <a:cxnSpLocks/>
+            <a:endCxn id="76" idx="2"/>
+          </p:cNvCxnSpPr>
+          <p:nvPr/>
+        </p:nvCxnSpPr>
+        <p:spPr>
+          <a:xfrm>
+            <a:off x="6470483" y="4132667"/>
+            <a:ext cx="550119" cy="452053"/>
+          </a:xfrm>
+          <a:prstGeom prst="line">
+            <a:avLst/>
+          </a:prstGeom>
+          <a:ln w="28575">
+            <a:solidFill>
+              <a:schemeClr val="tx1"/>
+            </a:solidFill>
+          </a:ln>
+        </p:spPr>
+        <p:style>
+          <a:lnRef idx="1">
+            <a:schemeClr val="accent1"/>
+          </a:lnRef>
+          <a:fillRef idx="0">
+            <a:schemeClr val="accent1"/>
+          </a:fillRef>
+          <a:effectRef idx="0">
+            <a:schemeClr val="accent1"/>
+          </a:effectRef>
+          <a:fontRef idx="minor">
+            <a:schemeClr val="tx1"/>
+          </a:fontRef>
+        </p:style>
+      </p:cxnSp>
+      <p:cxnSp>
+        <p:nvCxnSpPr>
+          <p:cNvPr id="79" name="Straight Connector 78">
+            <a:extLst>
+              <a:ext uri="{FF2B5EF4-FFF2-40B4-BE49-F238E27FC236}">
+                <a16:creationId xmlns:a16="http://schemas.microsoft.com/office/drawing/2014/main" id="{4D7F9DE5-BF6B-1B4F-9BFF-22C8B2FD514B}"/>
+              </a:ext>
+            </a:extLst>
+          </p:cNvPr>
+          <p:cNvCxnSpPr>
+            <a:cxnSpLocks/>
+            <a:endCxn id="75" idx="2"/>
+          </p:cNvCxnSpPr>
+          <p:nvPr/>
+        </p:nvCxnSpPr>
+        <p:spPr>
+          <a:xfrm flipV="1">
+            <a:off x="6476579" y="1809921"/>
+            <a:ext cx="527935" cy="1311028"/>
+          </a:xfrm>
+          <a:prstGeom prst="line">
+            <a:avLst/>
+          </a:prstGeom>
+          <a:ln w="28575">
+            <a:solidFill>
+              <a:schemeClr val="tx1"/>
+            </a:solidFill>
+          </a:ln>
+        </p:spPr>
+        <p:style>
+          <a:lnRef idx="1">
+            <a:schemeClr val="accent1"/>
+          </a:lnRef>
+          <a:fillRef idx="0">
+            <a:schemeClr val="accent1"/>
+          </a:fillRef>
+          <a:effectRef idx="0">
+            <a:schemeClr val="accent1"/>
+          </a:effectRef>
+          <a:fontRef idx="minor">
+            <a:schemeClr val="tx1"/>
+          </a:fontRef>
+        </p:style>
+      </p:cxnSp>
+      <p:cxnSp>
+        <p:nvCxnSpPr>
+          <p:cNvPr id="81" name="Straight Connector 80">
+            <a:extLst>
+              <a:ext uri="{FF2B5EF4-FFF2-40B4-BE49-F238E27FC236}">
+                <a16:creationId xmlns:a16="http://schemas.microsoft.com/office/drawing/2014/main" id="{1F6759DB-BEC2-4845-9409-0137F76570A3}"/>
+              </a:ext>
+            </a:extLst>
+          </p:cNvPr>
+          <p:cNvCxnSpPr>
+            <a:cxnSpLocks/>
+            <a:endCxn id="75" idx="2"/>
+          </p:cNvCxnSpPr>
+          <p:nvPr/>
+        </p:nvCxnSpPr>
+        <p:spPr>
+          <a:xfrm flipV="1">
+            <a:off x="6448439" y="1809921"/>
+            <a:ext cx="556075" cy="355544"/>
+          </a:xfrm>
+          <a:prstGeom prst="line">
+            <a:avLst/>
+          </a:prstGeom>
+          <a:ln w="28575">
+            <a:solidFill>
+              <a:schemeClr val="tx1"/>
+            </a:solidFill>
+          </a:ln>
+        </p:spPr>
+        <p:style>
+          <a:lnRef idx="1">
+            <a:schemeClr val="accent1"/>
+          </a:lnRef>
+          <a:fillRef idx="0">
+            <a:schemeClr val="accent1"/>
+          </a:fillRef>
+          <a:effectRef idx="0">
+            <a:schemeClr val="accent1"/>
+          </a:effectRef>
+          <a:fontRef idx="minor">
+            <a:schemeClr val="tx1"/>
+          </a:fontRef>
+        </p:style>
+      </p:cxnSp>
+      <p:cxnSp>
+        <p:nvCxnSpPr>
+          <p:cNvPr id="84" name="Straight Connector 83">
+            <a:extLst>
+              <a:ext uri="{FF2B5EF4-FFF2-40B4-BE49-F238E27FC236}">
+                <a16:creationId xmlns:a16="http://schemas.microsoft.com/office/drawing/2014/main" id="{0B10D054-91DA-D34B-BC2D-ADEC441197F2}"/>
+              </a:ext>
+            </a:extLst>
+          </p:cNvPr>
+          <p:cNvCxnSpPr>
+            <a:cxnSpLocks/>
+            <a:endCxn id="75" idx="2"/>
+          </p:cNvCxnSpPr>
+          <p:nvPr/>
+        </p:nvCxnSpPr>
+        <p:spPr>
+          <a:xfrm flipV="1">
+            <a:off x="6479035" y="1809921"/>
+            <a:ext cx="525479" cy="2322748"/>
+          </a:xfrm>
+          <a:prstGeom prst="line">
+            <a:avLst/>
+          </a:prstGeom>
+          <a:ln w="28575">
+            <a:solidFill>
+              <a:schemeClr val="tx1"/>
+            </a:solidFill>
+          </a:ln>
+        </p:spPr>
+        <p:style>
+          <a:lnRef idx="1">
+            <a:schemeClr val="accent1"/>
+          </a:lnRef>
+          <a:fillRef idx="0">
+            <a:schemeClr val="accent1"/>
+          </a:fillRef>
+          <a:effectRef idx="0">
+            <a:schemeClr val="accent1"/>
+          </a:effectRef>
+          <a:fontRef idx="minor">
+            <a:schemeClr val="tx1"/>
+          </a:fontRef>
+        </p:style>
+      </p:cxnSp>
+      <p:cxnSp>
+        <p:nvCxnSpPr>
+          <p:cNvPr id="88" name="Straight Connector 87">
+            <a:extLst>
+              <a:ext uri="{FF2B5EF4-FFF2-40B4-BE49-F238E27FC236}">
+                <a16:creationId xmlns:a16="http://schemas.microsoft.com/office/drawing/2014/main" id="{1AA98A7D-92EF-0A4A-8F2C-9CEDECFD59A5}"/>
+              </a:ext>
+            </a:extLst>
+          </p:cNvPr>
+          <p:cNvCxnSpPr>
+            <a:cxnSpLocks/>
+            <a:stCxn id="76" idx="2"/>
+          </p:cNvCxnSpPr>
+          <p:nvPr/>
+        </p:nvCxnSpPr>
+        <p:spPr>
+          <a:xfrm flipH="1" flipV="1">
+            <a:off x="6479035" y="3134606"/>
+            <a:ext cx="541567" cy="1450114"/>
+          </a:xfrm>
+          <a:prstGeom prst="line">
+            <a:avLst/>
+          </a:prstGeom>
+          <a:ln w="28575">
+            <a:solidFill>
+              <a:schemeClr val="tx1"/>
+            </a:solidFill>
+          </a:ln>
+        </p:spPr>
+        <p:style>
+          <a:lnRef idx="1">
+            <a:schemeClr val="accent1"/>
+          </a:lnRef>
+          <a:fillRef idx="0">
+            <a:schemeClr val="accent1"/>
+          </a:fillRef>
+          <a:effectRef idx="0">
+            <a:schemeClr val="accent1"/>
+          </a:effectRef>
+          <a:fontRef idx="minor">
+            <a:schemeClr val="tx1"/>
+          </a:fontRef>
+        </p:style>
+      </p:cxnSp>
+      <p:cxnSp>
+        <p:nvCxnSpPr>
+          <p:cNvPr id="93" name="Straight Connector 92">
+            <a:extLst>
+              <a:ext uri="{FF2B5EF4-FFF2-40B4-BE49-F238E27FC236}">
+                <a16:creationId xmlns:a16="http://schemas.microsoft.com/office/drawing/2014/main" id="{FCE05EAA-D77A-1B46-A2DE-8395D9FF70AE}"/>
+              </a:ext>
+            </a:extLst>
+          </p:cNvPr>
+          <p:cNvCxnSpPr>
+            <a:cxnSpLocks/>
+            <a:endCxn id="76" idx="2"/>
+          </p:cNvCxnSpPr>
+          <p:nvPr/>
+        </p:nvCxnSpPr>
+        <p:spPr>
+          <a:xfrm>
+            <a:off x="6485439" y="2159651"/>
+            <a:ext cx="535163" cy="2425069"/>
+          </a:xfrm>
+          <a:prstGeom prst="line">
+            <a:avLst/>
+          </a:prstGeom>
+          <a:ln w="28575">
+            <a:solidFill>
+              <a:schemeClr val="tx1"/>
+            </a:solidFill>
+          </a:ln>
+        </p:spPr>
+        <p:style>
+          <a:lnRef idx="1">
+            <a:schemeClr val="accent1"/>
+          </a:lnRef>
+          <a:fillRef idx="0">
+            <a:schemeClr val="accent1"/>
+          </a:fillRef>
+          <a:effectRef idx="0">
+            <a:schemeClr val="accent1"/>
+          </a:effectRef>
+          <a:fontRef idx="minor">
+            <a:schemeClr val="tx1"/>
+          </a:fontRef>
+        </p:style>
+      </p:cxnSp>
+      <p:cxnSp>
+        <p:nvCxnSpPr>
+          <p:cNvPr id="100" name="Straight Connector 99">
+            <a:extLst>
+              <a:ext uri="{FF2B5EF4-FFF2-40B4-BE49-F238E27FC236}">
+                <a16:creationId xmlns:a16="http://schemas.microsoft.com/office/drawing/2014/main" id="{C128A67D-6CD4-4140-9416-AD80AB427559}"/>
+              </a:ext>
+            </a:extLst>
+          </p:cNvPr>
+          <p:cNvCxnSpPr>
+            <a:cxnSpLocks/>
+            <a:stCxn id="26" idx="2"/>
+            <a:endCxn id="75" idx="6"/>
+          </p:cNvCxnSpPr>
+          <p:nvPr/>
+        </p:nvCxnSpPr>
+        <p:spPr>
+          <a:xfrm flipH="1" flipV="1">
+            <a:off x="7716895" y="1809921"/>
+            <a:ext cx="728469" cy="1335995"/>
+          </a:xfrm>
+          <a:prstGeom prst="line">
+            <a:avLst/>
+          </a:prstGeom>
+          <a:ln w="28575">
+            <a:solidFill>
+              <a:schemeClr val="tx1"/>
+            </a:solidFill>
+          </a:ln>
+        </p:spPr>
+        <p:style>
+          <a:lnRef idx="1">
+            <a:schemeClr val="accent1"/>
+          </a:lnRef>
+          <a:fillRef idx="0">
+            <a:schemeClr val="accent1"/>
+          </a:fillRef>
+          <a:effectRef idx="0">
+            <a:schemeClr val="accent1"/>
+          </a:effectRef>
+          <a:fontRef idx="minor">
+            <a:schemeClr val="tx1"/>
+          </a:fontRef>
+        </p:style>
+      </p:cxnSp>
+      <p:cxnSp>
+        <p:nvCxnSpPr>
+          <p:cNvPr id="104" name="Straight Connector 103">
+            <a:extLst>
+              <a:ext uri="{FF2B5EF4-FFF2-40B4-BE49-F238E27FC236}">
+                <a16:creationId xmlns:a16="http://schemas.microsoft.com/office/drawing/2014/main" id="{99B90B57-D447-0644-956B-DB30BD270123}"/>
+              </a:ext>
+            </a:extLst>
+          </p:cNvPr>
+          <p:cNvCxnSpPr>
+            <a:cxnSpLocks/>
+            <a:stCxn id="26" idx="2"/>
+            <a:endCxn id="76" idx="6"/>
+          </p:cNvCxnSpPr>
+          <p:nvPr/>
+        </p:nvCxnSpPr>
+        <p:spPr>
+          <a:xfrm flipH="1">
+            <a:off x="7732983" y="3145916"/>
+            <a:ext cx="712381" cy="1438804"/>
+          </a:xfrm>
+          <a:prstGeom prst="line">
+            <a:avLst/>
+          </a:prstGeom>
+          <a:ln w="28575">
+            <a:solidFill>
+              <a:schemeClr val="tx1"/>
+            </a:solidFill>
+          </a:ln>
+        </p:spPr>
+        <p:style>
+          <a:lnRef idx="1">
+            <a:schemeClr val="accent1"/>
+          </a:lnRef>
+          <a:fillRef idx="0">
+            <a:schemeClr val="accent1"/>
+          </a:fillRef>
+          <a:effectRef idx="0">
+            <a:schemeClr val="accent1"/>
+          </a:effectRef>
+          <a:fontRef idx="minor">
+            <a:schemeClr val="tx1"/>
+          </a:fontRef>
+        </p:style>
+      </p:cxnSp>
+      <p:sp>
+        <p:nvSpPr>
+          <p:cNvPr id="97" name="Left Brace 96">
+            <a:extLst>
+              <a:ext uri="{FF2B5EF4-FFF2-40B4-BE49-F238E27FC236}">
+                <a16:creationId xmlns:a16="http://schemas.microsoft.com/office/drawing/2014/main" id="{1605EBC6-D134-C648-9595-534DB5AEFA26}"/>
+              </a:ext>
+            </a:extLst>
+          </p:cNvPr>
+          <p:cNvSpPr/>
+          <p:nvPr/>
+        </p:nvSpPr>
+        <p:spPr>
+          <a:xfrm rot="10800000">
+            <a:off x="2007242" y="1797885"/>
+            <a:ext cx="664477" cy="2704543"/>
+          </a:xfrm>
+          <a:prstGeom prst="leftBrace">
+            <a:avLst/>
+          </a:prstGeom>
+          <a:ln w="28575">
+            <a:solidFill>
+              <a:schemeClr val="tx1"/>
+            </a:solidFill>
+          </a:ln>
+        </p:spPr>
+        <p:style>
+          <a:lnRef idx="1">
+            <a:schemeClr val="accent1"/>
+          </a:lnRef>
+          <a:fillRef idx="0">
+            <a:schemeClr val="accent1"/>
+          </a:fillRef>
+          <a:effectRef idx="0">
+            <a:schemeClr val="accent1"/>
+          </a:effectRef>
+          <a:fontRef idx="minor">
+            <a:schemeClr val="tx1"/>
+          </a:fontRef>
+        </p:style>
+        <p:txBody>
+          <a:bodyPr rtlCol="0" anchor="ctr"/>
+          <a:lstStyle/>
+          <a:p>
+            <a:pPr algn="ctr"/>
+            <a:endParaRPr lang="en-US"/>
+          </a:p>
+        </p:txBody>
+      </p:sp>
+      <p:sp>
+        <p:nvSpPr>
+          <p:cNvPr id="99" name="TextBox 98">
+            <a:extLst>
+              <a:ext uri="{FF2B5EF4-FFF2-40B4-BE49-F238E27FC236}">
+                <a16:creationId xmlns:a16="http://schemas.microsoft.com/office/drawing/2014/main" id="{1D3C5867-861A-C947-B501-76B021BE121E}"/>
+              </a:ext>
+            </a:extLst>
+          </p:cNvPr>
+          <p:cNvSpPr txBox="1"/>
+          <p:nvPr/>
+        </p:nvSpPr>
+        <p:spPr>
+          <a:xfrm>
+            <a:off x="5198779" y="5919305"/>
+            <a:ext cx="1874906" cy="646331"/>
+          </a:xfrm>
+          <a:prstGeom prst="rect">
+            <a:avLst/>
+          </a:prstGeom>
+          <a:noFill/>
+        </p:spPr>
+        <p:txBody>
+          <a:bodyPr wrap="square" rtlCol="0">
+            <a:spAutoFit/>
+          </a:bodyPr>
+          <a:lstStyle/>
+          <a:p>
+            <a:pPr algn="ctr"/>
+            <a:r>
+              <a:rPr lang="en-US" altLang="zh-CN"/>
+              <a:t>14</a:t>
+            </a:r>
+            <a:r>
+              <a:rPr lang="zh-CN" altLang="en-US"/>
+              <a:t> </a:t>
+            </a:r>
+            <a:r>
+              <a:rPr lang="en-US" altLang="zh-CN" dirty="0"/>
+              <a:t>Layer</a:t>
+            </a:r>
+            <a:r>
+              <a:rPr lang="zh-CN" altLang="en-US" dirty="0"/>
+              <a:t> </a:t>
+            </a:r>
+            <a:r>
+              <a:rPr lang="en-US" altLang="zh-CN" dirty="0"/>
+              <a:t>Fully</a:t>
+            </a:r>
+            <a:r>
+              <a:rPr lang="zh-CN" altLang="en-US" dirty="0"/>
+              <a:t> </a:t>
+            </a:r>
+            <a:r>
+              <a:rPr lang="en-US" altLang="zh-CN" dirty="0"/>
+              <a:t>Connected</a:t>
+            </a:r>
+            <a:r>
+              <a:rPr lang="zh-CN" altLang="en-US" dirty="0"/>
+              <a:t> </a:t>
+            </a:r>
+            <a:r>
+              <a:rPr lang="en-US" altLang="zh-CN" dirty="0"/>
+              <a:t>Layer</a:t>
+            </a:r>
+            <a:endParaRPr lang="en-US" dirty="0"/>
+          </a:p>
+        </p:txBody>
+      </p:sp>
+      <p:sp>
+        <p:nvSpPr>
+          <p:cNvPr id="102" name="TextBox 101">
+            <a:extLst>
+              <a:ext uri="{FF2B5EF4-FFF2-40B4-BE49-F238E27FC236}">
+                <a16:creationId xmlns:a16="http://schemas.microsoft.com/office/drawing/2014/main" id="{2D25D6B4-5A51-9C48-B3BB-BE14300DD93C}"/>
+              </a:ext>
+            </a:extLst>
+          </p:cNvPr>
+          <p:cNvSpPr txBox="1"/>
+          <p:nvPr/>
+        </p:nvSpPr>
+        <p:spPr>
+          <a:xfrm>
+            <a:off x="9673861" y="3707383"/>
+            <a:ext cx="1053908" cy="923330"/>
+          </a:xfrm>
+          <a:prstGeom prst="rect">
+            <a:avLst/>
+          </a:prstGeom>
+          <a:noFill/>
+        </p:spPr>
+        <p:txBody>
+          <a:bodyPr wrap="square" rtlCol="0">
+            <a:spAutoFit/>
+          </a:bodyPr>
+          <a:lstStyle/>
+          <a:p>
+            <a:pPr algn="ctr"/>
+            <a:r>
+              <a:rPr lang="en-US" altLang="zh-CN" dirty="0"/>
+              <a:t>Cross</a:t>
+            </a:r>
+            <a:r>
+              <a:rPr lang="zh-CN" altLang="en-US" dirty="0"/>
+              <a:t> </a:t>
+            </a:r>
+            <a:endParaRPr lang="en-US" altLang="zh-CN" dirty="0"/>
+          </a:p>
+          <a:p>
+            <a:pPr algn="ctr"/>
+            <a:r>
+              <a:rPr lang="en-US" altLang="zh-CN" dirty="0"/>
+              <a:t>Entropy</a:t>
+            </a:r>
+            <a:r>
+              <a:rPr lang="zh-CN" altLang="en-US" dirty="0"/>
+              <a:t> </a:t>
+            </a:r>
+            <a:endParaRPr lang="en-US" altLang="zh-CN" dirty="0"/>
+          </a:p>
+          <a:p>
+            <a:pPr algn="ctr"/>
+            <a:r>
+              <a:rPr lang="en-US" altLang="zh-CN" dirty="0"/>
+              <a:t>Loss</a:t>
+            </a:r>
+            <a:endParaRPr lang="en-US" dirty="0"/>
+          </a:p>
+        </p:txBody>
+      </p:sp>
+      <p:sp>
+        <p:nvSpPr>
+          <p:cNvPr id="109" name="Left Brace 108">
+            <a:extLst>
+              <a:ext uri="{FF2B5EF4-FFF2-40B4-BE49-F238E27FC236}">
+                <a16:creationId xmlns:a16="http://schemas.microsoft.com/office/drawing/2014/main" id="{6BBDB124-25E8-4F44-96EF-959BDD6EB675}"/>
+              </a:ext>
+            </a:extLst>
+          </p:cNvPr>
+          <p:cNvSpPr/>
+          <p:nvPr/>
+        </p:nvSpPr>
+        <p:spPr>
+          <a:xfrm rot="10800000">
+            <a:off x="9172701" y="3157227"/>
+            <a:ext cx="573057" cy="2028371"/>
+          </a:xfrm>
+          <a:prstGeom prst="leftBrace">
+            <a:avLst/>
+          </a:prstGeom>
+          <a:ln w="28575">
+            <a:solidFill>
+              <a:schemeClr val="tx1"/>
+            </a:solidFill>
+          </a:ln>
+        </p:spPr>
+        <p:style>
+          <a:lnRef idx="1">
+            <a:schemeClr val="accent1"/>
+          </a:lnRef>
+          <a:fillRef idx="0">
+            <a:schemeClr val="accent1"/>
+          </a:fillRef>
+          <a:effectRef idx="0">
+            <a:schemeClr val="accent1"/>
+          </a:effectRef>
+          <a:fontRef idx="minor">
+            <a:schemeClr val="tx1"/>
+          </a:fontRef>
+        </p:style>
+        <p:txBody>
+          <a:bodyPr rtlCol="0" anchor="ctr"/>
+          <a:lstStyle/>
+          <a:p>
+            <a:pPr algn="ctr"/>
+            <a:endParaRPr lang="en-US"/>
+          </a:p>
+        </p:txBody>
+      </p:sp>
+      <p:sp>
+        <p:nvSpPr>
+          <p:cNvPr id="114" name="Left Brace 113">
+            <a:extLst>
+              <a:ext uri="{FF2B5EF4-FFF2-40B4-BE49-F238E27FC236}">
+                <a16:creationId xmlns:a16="http://schemas.microsoft.com/office/drawing/2014/main" id="{9E0D54D9-30D0-D145-AAE4-DEEFE8B77C41}"/>
+              </a:ext>
+            </a:extLst>
+          </p:cNvPr>
+          <p:cNvSpPr/>
+          <p:nvPr/>
+        </p:nvSpPr>
+        <p:spPr>
+          <a:xfrm rot="16200000">
+            <a:off x="5913221" y="4340523"/>
+            <a:ext cx="691116" cy="2550164"/>
+          </a:xfrm>
+          <a:prstGeom prst="leftBrace">
+            <a:avLst/>
+          </a:prstGeom>
+          <a:ln w="28575">
+            <a:solidFill>
+              <a:schemeClr val="tx1"/>
+            </a:solidFill>
+          </a:ln>
+        </p:spPr>
+        <p:style>
+          <a:lnRef idx="1">
+            <a:schemeClr val="accent1"/>
+          </a:lnRef>
+          <a:fillRef idx="0">
+            <a:schemeClr val="accent1"/>
+          </a:fillRef>
+          <a:effectRef idx="0">
+            <a:schemeClr val="accent1"/>
+          </a:effectRef>
+          <a:fontRef idx="minor">
+            <a:schemeClr val="tx1"/>
+          </a:fontRef>
+        </p:style>
+        <p:txBody>
+          <a:bodyPr rtlCol="0" anchor="ctr"/>
+          <a:lstStyle/>
+          <a:p>
+            <a:pPr algn="ctr"/>
+            <a:endParaRPr lang="en-US"/>
+          </a:p>
+        </p:txBody>
+      </p:sp>
+      <p:sp>
+        <p:nvSpPr>
+          <p:cNvPr id="112" name="Rounded Rectangle 111">
+            <a:extLst>
+              <a:ext uri="{FF2B5EF4-FFF2-40B4-BE49-F238E27FC236}">
+                <a16:creationId xmlns:a16="http://schemas.microsoft.com/office/drawing/2014/main" id="{F1F9C36E-E354-7E4A-8B10-E348595915DD}"/>
+              </a:ext>
+            </a:extLst>
+          </p:cNvPr>
+          <p:cNvSpPr/>
+          <p:nvPr/>
+        </p:nvSpPr>
+        <p:spPr>
+          <a:xfrm>
+            <a:off x="284461" y="1265852"/>
+            <a:ext cx="1722782" cy="1108039"/>
+          </a:xfrm>
+          <a:prstGeom prst="roundRect">
+            <a:avLst/>
+          </a:prstGeom>
+        </p:spPr>
+        <p:style>
+          <a:lnRef idx="2">
+            <a:schemeClr val="accent1">
+              <a:shade val="50000"/>
+            </a:schemeClr>
+          </a:lnRef>
+          <a:fillRef idx="1">
+            <a:schemeClr val="accent1"/>
+          </a:fillRef>
+          <a:effectRef idx="0">
+            <a:schemeClr val="accent1"/>
+          </a:effectRef>
+          <a:fontRef idx="minor">
+            <a:schemeClr val="lt1"/>
+          </a:fontRef>
+        </p:style>
+        <p:txBody>
+          <a:bodyPr rtlCol="0" anchor="ctr"/>
+          <a:lstStyle/>
+          <a:p>
+            <a:pPr algn="ctr"/>
+            <a:r>
+              <a:rPr lang="en-US" altLang="zh-CN" dirty="0"/>
+              <a:t>Current</a:t>
+            </a:r>
+            <a:r>
+              <a:rPr lang="zh-CN" altLang="en-US" dirty="0"/>
+              <a:t> </a:t>
+            </a:r>
+            <a:r>
+              <a:rPr lang="en-US" altLang="zh-CN" dirty="0"/>
+              <a:t>GWAS</a:t>
+            </a:r>
+            <a:r>
+              <a:rPr lang="zh-CN" altLang="en-US" dirty="0"/>
+              <a:t> </a:t>
+            </a:r>
+            <a:r>
+              <a:rPr lang="en-US" altLang="zh-CN" dirty="0"/>
+              <a:t>summary</a:t>
+            </a:r>
+            <a:r>
+              <a:rPr lang="zh-CN" altLang="en-US" dirty="0"/>
+              <a:t> </a:t>
+            </a:r>
+            <a:r>
+              <a:rPr lang="en-US" altLang="zh-CN" dirty="0"/>
+              <a:t>statistics</a:t>
+            </a:r>
+          </a:p>
+        </p:txBody>
+      </p:sp>
+      <p:sp>
+        <p:nvSpPr>
+          <p:cNvPr id="117" name="Rounded Rectangle 116">
+            <a:extLst>
+              <a:ext uri="{FF2B5EF4-FFF2-40B4-BE49-F238E27FC236}">
+                <a16:creationId xmlns:a16="http://schemas.microsoft.com/office/drawing/2014/main" id="{1AC3D2ED-33BF-1248-ABE6-656B1C37C5D5}"/>
+              </a:ext>
+            </a:extLst>
+          </p:cNvPr>
+          <p:cNvSpPr/>
+          <p:nvPr/>
+        </p:nvSpPr>
+        <p:spPr>
+          <a:xfrm>
+            <a:off x="271703" y="3790096"/>
+            <a:ext cx="1722782" cy="1615991"/>
+          </a:xfrm>
+          <a:prstGeom prst="roundRect">
+            <a:avLst/>
+          </a:prstGeom>
+        </p:spPr>
+        <p:style>
+          <a:lnRef idx="2">
+            <a:schemeClr val="accent1">
+              <a:shade val="50000"/>
+            </a:schemeClr>
+          </a:lnRef>
+          <a:fillRef idx="1">
+            <a:schemeClr val="accent1"/>
+          </a:fillRef>
+          <a:effectRef idx="0">
+            <a:schemeClr val="accent1"/>
+          </a:effectRef>
+          <a:fontRef idx="minor">
+            <a:schemeClr val="lt1"/>
+          </a:fontRef>
+        </p:style>
+        <p:txBody>
+          <a:bodyPr rtlCol="0" anchor="ctr"/>
+          <a:lstStyle/>
+          <a:p>
+            <a:pPr algn="ctr"/>
+            <a:r>
+              <a:rPr lang="en-US" altLang="zh-CN" dirty="0"/>
+              <a:t>B</a:t>
+            </a:r>
+            <a:r>
+              <a:rPr lang="en-US" dirty="0"/>
+              <a:t>rain related functional genomic</a:t>
+            </a:r>
+            <a:r>
+              <a:rPr lang="zh-CN" altLang="en-US" dirty="0"/>
+              <a:t> </a:t>
+            </a:r>
+            <a:r>
+              <a:rPr lang="en-US" altLang="zh-CN" dirty="0"/>
+              <a:t>and</a:t>
+            </a:r>
+            <a:r>
+              <a:rPr lang="zh-CN" altLang="en-US" dirty="0"/>
+              <a:t> </a:t>
+            </a:r>
+            <a:r>
+              <a:rPr lang="en-US" altLang="zh-CN" dirty="0"/>
+              <a:t>epigenomic</a:t>
+            </a:r>
+            <a:r>
+              <a:rPr lang="en-US" dirty="0"/>
+              <a:t> information </a:t>
+            </a:r>
+          </a:p>
+        </p:txBody>
+      </p:sp>
+      <p:sp>
+        <p:nvSpPr>
+          <p:cNvPr id="118" name="Left Brace 117">
+            <a:extLst>
+              <a:ext uri="{FF2B5EF4-FFF2-40B4-BE49-F238E27FC236}">
+                <a16:creationId xmlns:a16="http://schemas.microsoft.com/office/drawing/2014/main" id="{D72B10E4-3352-B546-AE6F-90AB33BE4662}"/>
+              </a:ext>
+            </a:extLst>
+          </p:cNvPr>
+          <p:cNvSpPr/>
+          <p:nvPr/>
+        </p:nvSpPr>
+        <p:spPr>
+          <a:xfrm>
+            <a:off x="10710639" y="3157227"/>
+            <a:ext cx="573057" cy="2028371"/>
+          </a:xfrm>
+          <a:prstGeom prst="leftBrace">
+            <a:avLst/>
+          </a:prstGeom>
+          <a:ln w="28575">
+            <a:solidFill>
+              <a:schemeClr val="tx1"/>
+            </a:solidFill>
+          </a:ln>
+        </p:spPr>
+        <p:style>
+          <a:lnRef idx="1">
+            <a:schemeClr val="accent1"/>
+          </a:lnRef>
+          <a:fillRef idx="0">
+            <a:schemeClr val="accent1"/>
+          </a:fillRef>
+          <a:effectRef idx="0">
+            <a:schemeClr val="accent1"/>
+          </a:effectRef>
+          <a:fontRef idx="minor">
+            <a:schemeClr val="tx1"/>
+          </a:fontRef>
+        </p:style>
+        <p:txBody>
+          <a:bodyPr rtlCol="0" anchor="ctr"/>
+          <a:lstStyle/>
+          <a:p>
+            <a:pPr algn="ctr"/>
+            <a:endParaRPr lang="en-US"/>
+          </a:p>
+        </p:txBody>
+      </p:sp>
+      <p:graphicFrame>
+        <p:nvGraphicFramePr>
+          <p:cNvPr id="115" name="Table 118">
+            <a:extLst>
+              <a:ext uri="{FF2B5EF4-FFF2-40B4-BE49-F238E27FC236}">
+                <a16:creationId xmlns:a16="http://schemas.microsoft.com/office/drawing/2014/main" id="{C0995E06-98BF-884B-A10A-2D084DE9E23F}"/>
+              </a:ext>
+            </a:extLst>
+          </p:cNvPr>
+          <p:cNvGraphicFramePr>
+            <a:graphicFrameLocks noGrp="1"/>
+          </p:cNvGraphicFramePr>
+          <p:nvPr/>
+        </p:nvGraphicFramePr>
+        <p:xfrm>
+          <a:off x="11283695" y="1892648"/>
+          <a:ext cx="573057" cy="2225040"/>
+        </p:xfrm>
+        <a:graphic>
+          <a:graphicData uri="http://schemas.openxmlformats.org/drawingml/2006/table">
+            <a:tbl>
+              <a:tblPr firstRow="1" bandRow="1">
+                <a:tableStyleId>{5C22544A-7EE6-4342-B048-85BDC9FD1C3A}</a:tableStyleId>
+              </a:tblPr>
+              <a:tblGrid>
+                <a:gridCol w="573057">
+                  <a:extLst>
+                    <a:ext uri="{9D8B030D-6E8A-4147-A177-3AD203B41FA5}">
+                      <a16:colId xmlns:a16="http://schemas.microsoft.com/office/drawing/2014/main" val="3804100988"/>
+                    </a:ext>
+                  </a:extLst>
+                </a:gridCol>
+              </a:tblGrid>
+              <a:tr h="370840">
+                <a:tc>
+                  <a:txBody>
+                    <a:bodyPr/>
+                    <a:lstStyle/>
+                    <a:p>
+                      <a:pPr algn="ctr"/>
+                      <a:r>
+                        <a:rPr lang="en-US" altLang="zh-CN" b="0">
+                          <a:solidFill>
+                            <a:schemeClr val="tx1"/>
+                          </a:solidFill>
+                        </a:rPr>
+                        <a:t>0.1</a:t>
+                      </a:r>
+                      <a:endParaRPr lang="en-US" b="0" dirty="0">
+                        <a:solidFill>
+                          <a:schemeClr val="tx1"/>
+                        </a:solidFill>
+                      </a:endParaRPr>
+                    </a:p>
+                  </a:txBody>
+                  <a:tcPr>
+                    <a:lnL w="12700" cap="flat" cmpd="sng" algn="ctr">
+                      <a:solidFill>
+                        <a:schemeClr val="tx1"/>
+                      </a:solidFill>
+                      <a:prstDash val="solid"/>
+                      <a:round/>
+                      <a:headEnd type="none" w="med" len="med"/>
+                      <a:tailEnd type="none" w="med" len="med"/>
+                    </a:lnL>
+                    <a:lnR w="12700" cap="flat" cmpd="sng" algn="ctr">
+                      <a:solidFill>
+                        <a:schemeClr val="tx1"/>
+                      </a:solidFill>
+                      <a:prstDash val="solid"/>
+                      <a:round/>
+                      <a:headEnd type="none" w="med" len="med"/>
+                      <a:tailEnd type="none" w="med" len="med"/>
+                    </a:lnR>
+                    <a:lnT w="12700" cap="flat" cmpd="sng" algn="ctr">
+                      <a:solidFill>
+                        <a:schemeClr val="tx1"/>
+                      </a:solidFill>
+                      <a:prstDash val="solid"/>
+                      <a:round/>
+                      <a:headEnd type="none" w="med" len="med"/>
+                      <a:tailEnd type="none" w="med" len="med"/>
+                    </a:lnT>
+                    <a:lnB w="12700" cap="flat" cmpd="sng" algn="ctr">
+                      <a:solidFill>
+                        <a:schemeClr val="tx1"/>
+                      </a:solidFill>
+                      <a:prstDash val="solid"/>
+                      <a:round/>
+                      <a:headEnd type="none" w="med" len="med"/>
+                      <a:tailEnd type="none" w="med" len="med"/>
+                    </a:lnB>
+                    <a:lnTlToBr w="12700" cmpd="sng">
+                      <a:noFill/>
+                      <a:prstDash val="solid"/>
+                    </a:lnTlToBr>
+                    <a:lnBlToTr w="12700" cmpd="sng">
+                      <a:noFill/>
+                      <a:prstDash val="solid"/>
+                    </a:lnBlToTr>
+                    <a:solidFill>
+                      <a:srgbClr val="FFFF00"/>
+                    </a:solidFill>
+                  </a:tcPr>
+                </a:tc>
+                <a:extLst>
+                  <a:ext uri="{0D108BD9-81ED-4DB2-BD59-A6C34878D82A}">
+                    <a16:rowId xmlns:a16="http://schemas.microsoft.com/office/drawing/2014/main" val="1132145978"/>
+                  </a:ext>
+                </a:extLst>
+              </a:tr>
+              <a:tr h="370840">
+                <a:tc>
+                  <a:txBody>
+                    <a:bodyPr/>
+                    <a:lstStyle/>
+                    <a:p>
+                      <a:pPr algn="ctr"/>
+                      <a:r>
+                        <a:rPr lang="en-US" altLang="zh-CN" dirty="0"/>
+                        <a:t>0.9</a:t>
+                      </a:r>
+                      <a:endParaRPr lang="en-US" dirty="0"/>
+                    </a:p>
+                  </a:txBody>
+                  <a:tcPr>
+                    <a:lnL w="12700" cap="flat" cmpd="sng" algn="ctr">
+                      <a:solidFill>
+                        <a:schemeClr val="tx1"/>
+                      </a:solidFill>
+                      <a:prstDash val="solid"/>
+                      <a:round/>
+                      <a:headEnd type="none" w="med" len="med"/>
+                      <a:tailEnd type="none" w="med" len="med"/>
+                    </a:lnL>
+                    <a:lnR w="12700" cap="flat" cmpd="sng" algn="ctr">
+                      <a:solidFill>
+                        <a:schemeClr val="tx1"/>
+                      </a:solidFill>
+                      <a:prstDash val="solid"/>
+                      <a:round/>
+                      <a:headEnd type="none" w="med" len="med"/>
+                      <a:tailEnd type="none" w="med" len="med"/>
+                    </a:lnR>
+                    <a:lnT w="12700" cap="flat" cmpd="sng" algn="ctr">
+                      <a:solidFill>
+                        <a:schemeClr val="tx1"/>
+                      </a:solidFill>
+                      <a:prstDash val="solid"/>
+                      <a:round/>
+                      <a:headEnd type="none" w="med" len="med"/>
+                      <a:tailEnd type="none" w="med" len="med"/>
+                    </a:lnT>
+                    <a:lnB w="12700" cap="flat" cmpd="sng" algn="ctr">
+                      <a:solidFill>
+                        <a:schemeClr val="tx1"/>
+                      </a:solidFill>
+                      <a:prstDash val="solid"/>
+                      <a:round/>
+                      <a:headEnd type="none" w="med" len="med"/>
+                      <a:tailEnd type="none" w="med" len="med"/>
+                    </a:lnB>
+                    <a:lnTlToBr w="12700" cmpd="sng">
+                      <a:noFill/>
+                      <a:prstDash val="solid"/>
+                    </a:lnTlToBr>
+                    <a:lnBlToTr w="12700" cmpd="sng">
+                      <a:noFill/>
+                      <a:prstDash val="solid"/>
+                    </a:lnBlToTr>
+                    <a:solidFill>
+                      <a:srgbClr val="FFFF00"/>
+                    </a:solidFill>
+                  </a:tcPr>
+                </a:tc>
+                <a:extLst>
+                  <a:ext uri="{0D108BD9-81ED-4DB2-BD59-A6C34878D82A}">
+                    <a16:rowId xmlns:a16="http://schemas.microsoft.com/office/drawing/2014/main" val="3857932615"/>
+                  </a:ext>
+                </a:extLst>
+              </a:tr>
+              <a:tr h="741680">
+                <a:tc>
+                  <a:txBody>
+                    <a:bodyPr/>
+                    <a:lstStyle/>
+                    <a:p>
+                      <a:pPr algn="ctr"/>
+                      <a:r>
+                        <a:rPr lang="en-US" sz="4000" b="0" i="0" kern="1200" dirty="0">
+                          <a:solidFill>
+                            <a:schemeClr val="dk1"/>
+                          </a:solidFill>
+                          <a:effectLst/>
+                          <a:latin typeface="+mn-lt"/>
+                          <a:ea typeface="+mn-ea"/>
+                          <a:cs typeface="+mn-cs"/>
+                        </a:rPr>
+                        <a:t>⋮</a:t>
+                      </a:r>
+                      <a:endParaRPr lang="en-US" sz="4000" dirty="0"/>
+                    </a:p>
+                  </a:txBody>
+                  <a:tcPr>
+                    <a:lnL w="12700" cap="flat" cmpd="sng" algn="ctr">
+                      <a:solidFill>
+                        <a:schemeClr val="tx1"/>
+                      </a:solidFill>
+                      <a:prstDash val="solid"/>
+                      <a:round/>
+                      <a:headEnd type="none" w="med" len="med"/>
+                      <a:tailEnd type="none" w="med" len="med"/>
+                    </a:lnL>
+                    <a:lnR w="12700" cap="flat" cmpd="sng" algn="ctr">
+                      <a:solidFill>
+                        <a:schemeClr val="tx1"/>
+                      </a:solidFill>
+                      <a:prstDash val="solid"/>
+                      <a:round/>
+                      <a:headEnd type="none" w="med" len="med"/>
+                      <a:tailEnd type="none" w="med" len="med"/>
+                    </a:lnR>
+                    <a:lnT w="12700" cap="flat" cmpd="sng" algn="ctr">
+                      <a:solidFill>
+                        <a:schemeClr val="tx1"/>
+                      </a:solidFill>
+                      <a:prstDash val="solid"/>
+                      <a:round/>
+                      <a:headEnd type="none" w="med" len="med"/>
+                      <a:tailEnd type="none" w="med" len="med"/>
+                    </a:lnT>
+                    <a:lnB w="12700" cap="flat" cmpd="sng" algn="ctr">
+                      <a:solidFill>
+                        <a:schemeClr val="tx1"/>
+                      </a:solidFill>
+                      <a:prstDash val="solid"/>
+                      <a:round/>
+                      <a:headEnd type="none" w="med" len="med"/>
+                      <a:tailEnd type="none" w="med" len="med"/>
+                    </a:lnB>
+                    <a:lnTlToBr w="12700" cmpd="sng">
+                      <a:noFill/>
+                      <a:prstDash val="solid"/>
+                    </a:lnTlToBr>
+                    <a:lnBlToTr w="12700" cmpd="sng">
+                      <a:noFill/>
+                      <a:prstDash val="solid"/>
+                    </a:lnBlToTr>
+                    <a:solidFill>
+                      <a:srgbClr val="FFFF00"/>
+                    </a:solidFill>
+                  </a:tcPr>
+                </a:tc>
+                <a:extLst>
+                  <a:ext uri="{0D108BD9-81ED-4DB2-BD59-A6C34878D82A}">
+                    <a16:rowId xmlns:a16="http://schemas.microsoft.com/office/drawing/2014/main" val="2583771950"/>
+                  </a:ext>
+                </a:extLst>
+              </a:tr>
+              <a:tr h="370840">
+                <a:tc>
+                  <a:txBody>
+                    <a:bodyPr/>
+                    <a:lstStyle/>
+                    <a:p>
+                      <a:pPr algn="ctr"/>
+                      <a:r>
+                        <a:rPr lang="en-US" altLang="zh-CN" dirty="0"/>
+                        <a:t>0.2</a:t>
+                      </a:r>
+                      <a:endParaRPr lang="en-US" dirty="0"/>
+                    </a:p>
+                  </a:txBody>
+                  <a:tcPr>
+                    <a:lnL w="12700" cap="flat" cmpd="sng" algn="ctr">
+                      <a:solidFill>
+                        <a:schemeClr val="tx1"/>
+                      </a:solidFill>
+                      <a:prstDash val="solid"/>
+                      <a:round/>
+                      <a:headEnd type="none" w="med" len="med"/>
+                      <a:tailEnd type="none" w="med" len="med"/>
+                    </a:lnL>
+                    <a:lnR w="12700" cap="flat" cmpd="sng" algn="ctr">
+                      <a:solidFill>
+                        <a:schemeClr val="tx1"/>
+                      </a:solidFill>
+                      <a:prstDash val="solid"/>
+                      <a:round/>
+                      <a:headEnd type="none" w="med" len="med"/>
+                      <a:tailEnd type="none" w="med" len="med"/>
+                    </a:lnR>
+                    <a:lnT w="12700" cap="flat" cmpd="sng" algn="ctr">
+                      <a:solidFill>
+                        <a:schemeClr val="tx1"/>
+                      </a:solidFill>
+                      <a:prstDash val="solid"/>
+                      <a:round/>
+                      <a:headEnd type="none" w="med" len="med"/>
+                      <a:tailEnd type="none" w="med" len="med"/>
+                    </a:lnT>
+                    <a:lnB w="12700" cap="flat" cmpd="sng" algn="ctr">
+                      <a:solidFill>
+                        <a:schemeClr val="tx1"/>
+                      </a:solidFill>
+                      <a:prstDash val="solid"/>
+                      <a:round/>
+                      <a:headEnd type="none" w="med" len="med"/>
+                      <a:tailEnd type="none" w="med" len="med"/>
+                    </a:lnB>
+                    <a:lnTlToBr w="12700" cmpd="sng">
+                      <a:noFill/>
+                      <a:prstDash val="solid"/>
+                    </a:lnTlToBr>
+                    <a:lnBlToTr w="12700" cmpd="sng">
+                      <a:noFill/>
+                      <a:prstDash val="solid"/>
+                    </a:lnBlToTr>
+                    <a:solidFill>
+                      <a:srgbClr val="FFFF00"/>
+                    </a:solidFill>
+                  </a:tcPr>
+                </a:tc>
+                <a:extLst>
+                  <a:ext uri="{0D108BD9-81ED-4DB2-BD59-A6C34878D82A}">
+                    <a16:rowId xmlns:a16="http://schemas.microsoft.com/office/drawing/2014/main" val="2536800776"/>
+                  </a:ext>
+                </a:extLst>
+              </a:tr>
+              <a:tr h="370840">
+                <a:tc>
+                  <a:txBody>
+                    <a:bodyPr/>
+                    <a:lstStyle/>
+                    <a:p>
+                      <a:pPr algn="ctr"/>
+                      <a:r>
+                        <a:rPr lang="en-US" altLang="zh-CN" dirty="0"/>
+                        <a:t>0.3</a:t>
+                      </a:r>
+                      <a:endParaRPr lang="en-US" dirty="0"/>
+                    </a:p>
+                  </a:txBody>
+                  <a:tcPr>
+                    <a:lnL w="12700" cap="flat" cmpd="sng" algn="ctr">
+                      <a:solidFill>
+                        <a:schemeClr val="tx1"/>
+                      </a:solidFill>
+                      <a:prstDash val="solid"/>
+                      <a:round/>
+                      <a:headEnd type="none" w="med" len="med"/>
+                      <a:tailEnd type="none" w="med" len="med"/>
+                    </a:lnL>
+                    <a:lnR w="12700" cap="flat" cmpd="sng" algn="ctr">
+                      <a:solidFill>
+                        <a:schemeClr val="tx1"/>
+                      </a:solidFill>
+                      <a:prstDash val="solid"/>
+                      <a:round/>
+                      <a:headEnd type="none" w="med" len="med"/>
+                      <a:tailEnd type="none" w="med" len="med"/>
+                    </a:lnR>
+                    <a:lnT w="12700" cap="flat" cmpd="sng" algn="ctr">
+                      <a:solidFill>
+                        <a:schemeClr val="tx1"/>
+                      </a:solidFill>
+                      <a:prstDash val="solid"/>
+                      <a:round/>
+                      <a:headEnd type="none" w="med" len="med"/>
+                      <a:tailEnd type="none" w="med" len="med"/>
+                    </a:lnT>
+                    <a:lnB w="12700" cap="flat" cmpd="sng" algn="ctr">
+                      <a:solidFill>
+                        <a:schemeClr val="tx1"/>
+                      </a:solidFill>
+                      <a:prstDash val="solid"/>
+                      <a:round/>
+                      <a:headEnd type="none" w="med" len="med"/>
+                      <a:tailEnd type="none" w="med" len="med"/>
+                    </a:lnB>
+                    <a:lnTlToBr w="12700" cmpd="sng">
+                      <a:noFill/>
+                      <a:prstDash val="solid"/>
+                    </a:lnTlToBr>
+                    <a:lnBlToTr w="12700" cmpd="sng">
+                      <a:noFill/>
+                      <a:prstDash val="solid"/>
+                    </a:lnBlToTr>
+                    <a:solidFill>
+                      <a:srgbClr val="FFFF00"/>
+                    </a:solidFill>
+                  </a:tcPr>
+                </a:tc>
+                <a:extLst>
+                  <a:ext uri="{0D108BD9-81ED-4DB2-BD59-A6C34878D82A}">
+                    <a16:rowId xmlns:a16="http://schemas.microsoft.com/office/drawing/2014/main" val="4045123345"/>
+                  </a:ext>
+                </a:extLst>
+              </a:tr>
+            </a:tbl>
+          </a:graphicData>
+        </a:graphic>
+      </p:graphicFrame>
+      <p:graphicFrame>
+        <p:nvGraphicFramePr>
+          <p:cNvPr id="119" name="Table 118">
+            <a:extLst>
+              <a:ext uri="{FF2B5EF4-FFF2-40B4-BE49-F238E27FC236}">
+                <a16:creationId xmlns:a16="http://schemas.microsoft.com/office/drawing/2014/main" id="{EB08D179-C1AE-C941-9F62-6B4A9DA497E5}"/>
+              </a:ext>
+            </a:extLst>
+          </p:cNvPr>
+          <p:cNvGraphicFramePr>
+            <a:graphicFrameLocks noGrp="1"/>
+          </p:cNvGraphicFramePr>
+          <p:nvPr/>
+        </p:nvGraphicFramePr>
+        <p:xfrm>
+          <a:off x="11283695" y="4276349"/>
+          <a:ext cx="573057" cy="2225040"/>
+        </p:xfrm>
+        <a:graphic>
+          <a:graphicData uri="http://schemas.openxmlformats.org/drawingml/2006/table">
+            <a:tbl>
+              <a:tblPr firstRow="1" bandRow="1">
+                <a:tableStyleId>{5C22544A-7EE6-4342-B048-85BDC9FD1C3A}</a:tableStyleId>
+              </a:tblPr>
+              <a:tblGrid>
+                <a:gridCol w="573057">
+                  <a:extLst>
+                    <a:ext uri="{9D8B030D-6E8A-4147-A177-3AD203B41FA5}">
+                      <a16:colId xmlns:a16="http://schemas.microsoft.com/office/drawing/2014/main" val="3804100988"/>
+                    </a:ext>
+                  </a:extLst>
+                </a:gridCol>
+              </a:tblGrid>
+              <a:tr h="370840">
+                <a:tc>
+                  <a:txBody>
+                    <a:bodyPr/>
+                    <a:lstStyle/>
+                    <a:p>
+                      <a:pPr algn="ctr"/>
+                      <a:r>
+                        <a:rPr lang="en-US" altLang="zh-CN" b="0" dirty="0">
+                          <a:solidFill>
+                            <a:schemeClr val="tx1"/>
+                          </a:solidFill>
+                        </a:rPr>
+                        <a:t>0</a:t>
+                      </a:r>
+                      <a:endParaRPr lang="en-US" b="0" dirty="0">
+                        <a:solidFill>
+                          <a:schemeClr val="tx1"/>
+                        </a:solidFill>
+                      </a:endParaRPr>
+                    </a:p>
+                  </a:txBody>
+                  <a:tcPr>
+                    <a:lnL w="12700" cap="flat" cmpd="sng" algn="ctr">
+                      <a:solidFill>
+                        <a:schemeClr val="tx1"/>
+                      </a:solidFill>
+                      <a:prstDash val="solid"/>
+                      <a:round/>
+                      <a:headEnd type="none" w="med" len="med"/>
+                      <a:tailEnd type="none" w="med" len="med"/>
+                    </a:lnL>
+                    <a:lnR w="12700" cap="flat" cmpd="sng" algn="ctr">
+                      <a:solidFill>
+                        <a:schemeClr val="tx1"/>
+                      </a:solidFill>
+                      <a:prstDash val="solid"/>
+                      <a:round/>
+                      <a:headEnd type="none" w="med" len="med"/>
+                      <a:tailEnd type="none" w="med" len="med"/>
+                    </a:lnR>
+                    <a:lnT w="12700" cap="flat" cmpd="sng" algn="ctr">
+                      <a:solidFill>
+                        <a:schemeClr val="tx1"/>
+                      </a:solidFill>
+                      <a:prstDash val="solid"/>
+                      <a:round/>
+                      <a:headEnd type="none" w="med" len="med"/>
+                      <a:tailEnd type="none" w="med" len="med"/>
+                    </a:lnT>
+                    <a:lnB w="12700" cap="flat" cmpd="sng" algn="ctr">
+                      <a:solidFill>
+                        <a:schemeClr val="tx1"/>
+                      </a:solidFill>
+                      <a:prstDash val="solid"/>
+                      <a:round/>
+                      <a:headEnd type="none" w="med" len="med"/>
+                      <a:tailEnd type="none" w="med" len="med"/>
+                    </a:lnB>
+                    <a:lnTlToBr w="12700" cmpd="sng">
+                      <a:noFill/>
+                      <a:prstDash val="solid"/>
+                    </a:lnTlToBr>
+                    <a:lnBlToTr w="12700" cmpd="sng">
+                      <a:noFill/>
+                      <a:prstDash val="solid"/>
+                    </a:lnBlToTr>
+                    <a:solidFill>
+                      <a:srgbClr val="FFFF00"/>
+                    </a:solidFill>
+                  </a:tcPr>
+                </a:tc>
+                <a:extLst>
+                  <a:ext uri="{0D108BD9-81ED-4DB2-BD59-A6C34878D82A}">
+                    <a16:rowId xmlns:a16="http://schemas.microsoft.com/office/drawing/2014/main" val="3857932615"/>
+                  </a:ext>
+                </a:extLst>
+              </a:tr>
+              <a:tr h="370840">
+                <a:tc>
+                  <a:txBody>
+                    <a:bodyPr/>
+                    <a:lstStyle/>
+                    <a:p>
+                      <a:pPr algn="ctr"/>
+                      <a:r>
+                        <a:rPr lang="en-US" altLang="zh-CN" dirty="0">
+                          <a:solidFill>
+                            <a:schemeClr val="tx1"/>
+                          </a:solidFill>
+                        </a:rPr>
+                        <a:t>1</a:t>
+                      </a:r>
+                      <a:endParaRPr lang="en-US" dirty="0">
+                        <a:solidFill>
+                          <a:schemeClr val="tx1"/>
+                        </a:solidFill>
+                      </a:endParaRPr>
+                    </a:p>
+                  </a:txBody>
+                  <a:tcPr>
+                    <a:lnL w="12700" cap="flat" cmpd="sng" algn="ctr">
+                      <a:solidFill>
+                        <a:schemeClr val="tx1"/>
+                      </a:solidFill>
+                      <a:prstDash val="solid"/>
+                      <a:round/>
+                      <a:headEnd type="none" w="med" len="med"/>
+                      <a:tailEnd type="none" w="med" len="med"/>
+                    </a:lnL>
+                    <a:lnR w="12700" cap="flat" cmpd="sng" algn="ctr">
+                      <a:solidFill>
+                        <a:schemeClr val="tx1"/>
+                      </a:solidFill>
+                      <a:prstDash val="solid"/>
+                      <a:round/>
+                      <a:headEnd type="none" w="med" len="med"/>
+                      <a:tailEnd type="none" w="med" len="med"/>
+                    </a:lnR>
+                    <a:lnT w="12700" cap="flat" cmpd="sng" algn="ctr">
+                      <a:solidFill>
+                        <a:schemeClr val="tx1"/>
+                      </a:solidFill>
+                      <a:prstDash val="solid"/>
+                      <a:round/>
+                      <a:headEnd type="none" w="med" len="med"/>
+                      <a:tailEnd type="none" w="med" len="med"/>
+                    </a:lnT>
+                    <a:lnB w="12700" cap="flat" cmpd="sng" algn="ctr">
+                      <a:solidFill>
+                        <a:schemeClr val="tx1"/>
+                      </a:solidFill>
+                      <a:prstDash val="solid"/>
+                      <a:round/>
+                      <a:headEnd type="none" w="med" len="med"/>
+                      <a:tailEnd type="none" w="med" len="med"/>
+                    </a:lnB>
+                    <a:lnTlToBr w="12700" cmpd="sng">
+                      <a:noFill/>
+                      <a:prstDash val="solid"/>
+                    </a:lnTlToBr>
+                    <a:lnBlToTr w="12700" cmpd="sng">
+                      <a:noFill/>
+                      <a:prstDash val="solid"/>
+                    </a:lnBlToTr>
+                    <a:solidFill>
+                      <a:srgbClr val="FFFF00"/>
+                    </a:solidFill>
+                  </a:tcPr>
+                </a:tc>
+                <a:extLst>
+                  <a:ext uri="{0D108BD9-81ED-4DB2-BD59-A6C34878D82A}">
+                    <a16:rowId xmlns:a16="http://schemas.microsoft.com/office/drawing/2014/main" val="308540868"/>
+                  </a:ext>
+                </a:extLst>
+              </a:tr>
+              <a:tr h="741680">
+                <a:tc>
+                  <a:txBody>
+                    <a:bodyPr/>
+                    <a:lstStyle/>
+                    <a:p>
+                      <a:pPr marL="0" marR="0" lvl="0" indent="0" algn="ctr" defTabSz="914400" rtl="0" eaLnBrk="1" fontAlgn="auto" latinLnBrk="0" hangingPunct="1">
+                        <a:lnSpc>
+                          <a:spcPct val="100000"/>
+                        </a:lnSpc>
+                        <a:spcBef>
+                          <a:spcPts val="0"/>
+                        </a:spcBef>
+                        <a:spcAft>
+                          <a:spcPts val="0"/>
+                        </a:spcAft>
+                        <a:buClrTx/>
+                        <a:buSzTx/>
+                        <a:buFontTx/>
+                        <a:buNone/>
+                        <a:tabLst/>
+                        <a:defRPr/>
+                      </a:pPr>
+                      <a:r>
+                        <a:rPr kumimoji="0" lang="en-US" sz="4000" b="0" i="0" u="none" strike="noStrike" kern="1200" cap="none" spc="0" normalizeH="0" baseline="0" noProof="0" dirty="0">
+                          <a:ln>
+                            <a:noFill/>
+                          </a:ln>
+                          <a:solidFill>
+                            <a:prstClr val="black"/>
+                          </a:solidFill>
+                          <a:effectLst/>
+                          <a:uLnTx/>
+                          <a:uFillTx/>
+                          <a:latin typeface="+mn-lt"/>
+                          <a:ea typeface="+mn-ea"/>
+                          <a:cs typeface="+mn-cs"/>
+                        </a:rPr>
+                        <a:t>⋮</a:t>
+                      </a:r>
+                    </a:p>
+                  </a:txBody>
+                  <a:tcPr>
+                    <a:lnL w="12700" cap="flat" cmpd="sng" algn="ctr">
+                      <a:solidFill>
+                        <a:schemeClr val="tx1"/>
+                      </a:solidFill>
+                      <a:prstDash val="solid"/>
+                      <a:round/>
+                      <a:headEnd type="none" w="med" len="med"/>
+                      <a:tailEnd type="none" w="med" len="med"/>
+                    </a:lnL>
+                    <a:lnR w="12700" cap="flat" cmpd="sng" algn="ctr">
+                      <a:solidFill>
+                        <a:schemeClr val="tx1"/>
+                      </a:solidFill>
+                      <a:prstDash val="solid"/>
+                      <a:round/>
+                      <a:headEnd type="none" w="med" len="med"/>
+                      <a:tailEnd type="none" w="med" len="med"/>
+                    </a:lnR>
+                    <a:lnT w="12700" cap="flat" cmpd="sng" algn="ctr">
+                      <a:solidFill>
+                        <a:schemeClr val="tx1"/>
+                      </a:solidFill>
+                      <a:prstDash val="solid"/>
+                      <a:round/>
+                      <a:headEnd type="none" w="med" len="med"/>
+                      <a:tailEnd type="none" w="med" len="med"/>
+                    </a:lnT>
+                    <a:lnB w="12700" cap="flat" cmpd="sng" algn="ctr">
+                      <a:solidFill>
+                        <a:schemeClr val="tx1"/>
+                      </a:solidFill>
+                      <a:prstDash val="solid"/>
+                      <a:round/>
+                      <a:headEnd type="none" w="med" len="med"/>
+                      <a:tailEnd type="none" w="med" len="med"/>
+                    </a:lnB>
+                    <a:lnTlToBr w="12700" cmpd="sng">
+                      <a:noFill/>
+                      <a:prstDash val="solid"/>
+                    </a:lnTlToBr>
+                    <a:lnBlToTr w="12700" cmpd="sng">
+                      <a:noFill/>
+                      <a:prstDash val="solid"/>
+                    </a:lnBlToTr>
+                    <a:solidFill>
+                      <a:srgbClr val="FFFF00"/>
+                    </a:solidFill>
+                  </a:tcPr>
+                </a:tc>
+                <a:extLst>
+                  <a:ext uri="{0D108BD9-81ED-4DB2-BD59-A6C34878D82A}">
+                    <a16:rowId xmlns:a16="http://schemas.microsoft.com/office/drawing/2014/main" val="2583771950"/>
+                  </a:ext>
+                </a:extLst>
+              </a:tr>
+              <a:tr h="370840">
+                <a:tc>
+                  <a:txBody>
+                    <a:bodyPr/>
+                    <a:lstStyle/>
+                    <a:p>
+                      <a:pPr algn="ctr"/>
+                      <a:r>
+                        <a:rPr lang="en-US" altLang="zh-CN" dirty="0">
+                          <a:solidFill>
+                            <a:schemeClr val="tx1"/>
+                          </a:solidFill>
+                        </a:rPr>
+                        <a:t>1</a:t>
+                      </a:r>
+                      <a:endParaRPr lang="en-US" dirty="0">
+                        <a:solidFill>
+                          <a:schemeClr val="tx1"/>
+                        </a:solidFill>
+                      </a:endParaRPr>
+                    </a:p>
+                  </a:txBody>
+                  <a:tcPr>
+                    <a:lnL w="12700" cap="flat" cmpd="sng" algn="ctr">
+                      <a:solidFill>
+                        <a:schemeClr val="tx1"/>
+                      </a:solidFill>
+                      <a:prstDash val="solid"/>
+                      <a:round/>
+                      <a:headEnd type="none" w="med" len="med"/>
+                      <a:tailEnd type="none" w="med" len="med"/>
+                    </a:lnL>
+                    <a:lnR w="12700" cap="flat" cmpd="sng" algn="ctr">
+                      <a:solidFill>
+                        <a:schemeClr val="tx1"/>
+                      </a:solidFill>
+                      <a:prstDash val="solid"/>
+                      <a:round/>
+                      <a:headEnd type="none" w="med" len="med"/>
+                      <a:tailEnd type="none" w="med" len="med"/>
+                    </a:lnR>
+                    <a:lnT w="12700" cap="flat" cmpd="sng" algn="ctr">
+                      <a:solidFill>
+                        <a:schemeClr val="tx1"/>
+                      </a:solidFill>
+                      <a:prstDash val="solid"/>
+                      <a:round/>
+                      <a:headEnd type="none" w="med" len="med"/>
+                      <a:tailEnd type="none" w="med" len="med"/>
+                    </a:lnT>
+                    <a:lnB w="12700" cap="flat" cmpd="sng" algn="ctr">
+                      <a:solidFill>
+                        <a:schemeClr val="tx1"/>
+                      </a:solidFill>
+                      <a:prstDash val="solid"/>
+                      <a:round/>
+                      <a:headEnd type="none" w="med" len="med"/>
+                      <a:tailEnd type="none" w="med" len="med"/>
+                    </a:lnB>
+                    <a:lnTlToBr w="12700" cmpd="sng">
+                      <a:noFill/>
+                      <a:prstDash val="solid"/>
+                    </a:lnTlToBr>
+                    <a:lnBlToTr w="12700" cmpd="sng">
+                      <a:noFill/>
+                      <a:prstDash val="solid"/>
+                    </a:lnBlToTr>
+                    <a:solidFill>
+                      <a:srgbClr val="FFFF00"/>
+                    </a:solidFill>
+                  </a:tcPr>
+                </a:tc>
+                <a:extLst>
+                  <a:ext uri="{0D108BD9-81ED-4DB2-BD59-A6C34878D82A}">
+                    <a16:rowId xmlns:a16="http://schemas.microsoft.com/office/drawing/2014/main" val="2536800776"/>
+                  </a:ext>
+                </a:extLst>
+              </a:tr>
+              <a:tr h="370840">
+                <a:tc>
+                  <a:txBody>
+                    <a:bodyPr/>
+                    <a:lstStyle/>
+                    <a:p>
+                      <a:pPr algn="ctr"/>
+                      <a:r>
+                        <a:rPr lang="en-US" altLang="zh-CN" dirty="0">
+                          <a:solidFill>
+                            <a:schemeClr val="tx1"/>
+                          </a:solidFill>
+                        </a:rPr>
+                        <a:t>0</a:t>
+                      </a:r>
+                      <a:endParaRPr lang="en-US" dirty="0">
+                        <a:solidFill>
+                          <a:schemeClr val="tx1"/>
+                        </a:solidFill>
+                      </a:endParaRPr>
+                    </a:p>
+                  </a:txBody>
+                  <a:tcPr>
+                    <a:lnL w="12700" cap="flat" cmpd="sng" algn="ctr">
+                      <a:solidFill>
+                        <a:schemeClr val="tx1"/>
+                      </a:solidFill>
+                      <a:prstDash val="solid"/>
+                      <a:round/>
+                      <a:headEnd type="none" w="med" len="med"/>
+                      <a:tailEnd type="none" w="med" len="med"/>
+                    </a:lnL>
+                    <a:lnR w="12700" cap="flat" cmpd="sng" algn="ctr">
+                      <a:solidFill>
+                        <a:schemeClr val="tx1"/>
+                      </a:solidFill>
+                      <a:prstDash val="solid"/>
+                      <a:round/>
+                      <a:headEnd type="none" w="med" len="med"/>
+                      <a:tailEnd type="none" w="med" len="med"/>
+                    </a:lnR>
+                    <a:lnT w="12700" cap="flat" cmpd="sng" algn="ctr">
+                      <a:solidFill>
+                        <a:schemeClr val="tx1"/>
+                      </a:solidFill>
+                      <a:prstDash val="solid"/>
+                      <a:round/>
+                      <a:headEnd type="none" w="med" len="med"/>
+                      <a:tailEnd type="none" w="med" len="med"/>
+                    </a:lnT>
+                    <a:lnB w="12700" cap="flat" cmpd="sng" algn="ctr">
+                      <a:solidFill>
+                        <a:schemeClr val="tx1"/>
+                      </a:solidFill>
+                      <a:prstDash val="solid"/>
+                      <a:round/>
+                      <a:headEnd type="none" w="med" len="med"/>
+                      <a:tailEnd type="none" w="med" len="med"/>
+                    </a:lnB>
+                    <a:lnTlToBr w="12700" cmpd="sng">
+                      <a:noFill/>
+                      <a:prstDash val="solid"/>
+                    </a:lnTlToBr>
+                    <a:lnBlToTr w="12700" cmpd="sng">
+                      <a:noFill/>
+                      <a:prstDash val="solid"/>
+                    </a:lnBlToTr>
+                    <a:solidFill>
+                      <a:srgbClr val="FFFF00"/>
+                    </a:solidFill>
+                  </a:tcPr>
+                </a:tc>
+                <a:extLst>
+                  <a:ext uri="{0D108BD9-81ED-4DB2-BD59-A6C34878D82A}">
+                    <a16:rowId xmlns:a16="http://schemas.microsoft.com/office/drawing/2014/main" val="4045123345"/>
+                  </a:ext>
+                </a:extLst>
+              </a:tr>
+            </a:tbl>
+          </a:graphicData>
+        </a:graphic>
+      </p:graphicFrame>
+      <p:sp>
+        <p:nvSpPr>
+          <p:cNvPr id="3" name="Rounded Rectangle 2">
+            <a:extLst>
+              <a:ext uri="{FF2B5EF4-FFF2-40B4-BE49-F238E27FC236}">
+                <a16:creationId xmlns:a16="http://schemas.microsoft.com/office/drawing/2014/main" id="{4736CAF5-F988-C84E-F9AA-FC4AA1680858}"/>
+              </a:ext>
+            </a:extLst>
+          </p:cNvPr>
+          <p:cNvSpPr/>
+          <p:nvPr/>
+        </p:nvSpPr>
+        <p:spPr>
+          <a:xfrm>
+            <a:off x="246148" y="2545040"/>
+            <a:ext cx="1722782" cy="1108039"/>
+          </a:xfrm>
+          <a:prstGeom prst="roundRect">
+            <a:avLst/>
+          </a:prstGeom>
+        </p:spPr>
+        <p:style>
+          <a:lnRef idx="2">
+            <a:schemeClr val="accent1">
+              <a:shade val="50000"/>
+            </a:schemeClr>
+          </a:lnRef>
+          <a:fillRef idx="1">
+            <a:schemeClr val="accent1"/>
+          </a:fillRef>
+          <a:effectRef idx="0">
+            <a:schemeClr val="accent1"/>
+          </a:effectRef>
+          <a:fontRef idx="minor">
+            <a:schemeClr val="lt1"/>
+          </a:fontRef>
+        </p:style>
+        <p:txBody>
+          <a:bodyPr rtlCol="0" anchor="ctr"/>
+          <a:lstStyle/>
+          <a:p>
+            <a:pPr algn="ctr"/>
+            <a:r>
+              <a:rPr lang="en-US" altLang="zh-CN" dirty="0">
+                <a:solidFill>
+                  <a:schemeClr val="bg1"/>
+                </a:solidFill>
+              </a:rPr>
+              <a:t>L</a:t>
+            </a:r>
+            <a:r>
+              <a:rPr lang="en-US" sz="1800" b="0" i="0" u="none" strike="noStrike" dirty="0">
+                <a:solidFill>
+                  <a:schemeClr val="bg1"/>
+                </a:solidFill>
+                <a:effectLst/>
+                <a:latin typeface="Times New Roman" panose="02020603050405020304" pitchFamily="18" charset="0"/>
+              </a:rPr>
+              <a:t>inkage disequilibrium information</a:t>
+            </a:r>
+            <a:endParaRPr lang="en-US" altLang="zh-CN" dirty="0">
+              <a:solidFill>
+                <a:schemeClr val="bg1"/>
+              </a:solidFill>
+            </a:endParaRPr>
+          </a:p>
+        </p:txBody>
+      </p:sp>
+    </p:spTree>
+    <p:extLst>
+      <p:ext uri="{BB962C8B-B14F-4D97-AF65-F5344CB8AC3E}">
+        <p14:creationId xmlns:p14="http://schemas.microsoft.com/office/powerpoint/2010/main" val="1134645943"/>
+      </p:ext>
+    </p:extLst>
+  </p:cSld>
+  <p:clrMapOvr>
+    <a:masterClrMapping/>
+  </p:clrMapOvr>
+</p:sld>
+</file>
+
 <file path=ppt/theme/theme1.xml><?xml version="1.0" encoding="utf-8"?>
 <a:theme xmlns:a="http://schemas.openxmlformats.org/drawingml/2006/main" name="Office Theme">
   <a:themeElements>
